--- a/NODE.pptx
+++ b/NODE.pptx
@@ -105,6 +105,11 @@
       </a:defRPr>
     </a:lvl9pPr>
   </p:defaultTextStyle>
+  <p:extLst>
+    <p:ext uri="{EFAFB233-063F-42B5-8137-9DF3F51BA10A}">
+      <p15:sldGuideLst xmlns:p15="http://schemas.microsoft.com/office/powerpoint/2012/main"/>
+    </p:ext>
+  </p:extLst>
 </p:presentation>
 </file>
 
@@ -239,7 +244,7 @@
           <a:p>
             <a:fld id="{216BDA7A-BCA5-4481-8E8D-BF54DC8134F8}" type="datetimeFigureOut">
               <a:rPr lang="pt-BR" smtClean="0"/>
-              <a:t>21/08/2023</a:t>
+              <a:t>25/08/2023</a:t>
             </a:fld>
             <a:endParaRPr lang="pt-BR"/>
           </a:p>
@@ -409,7 +414,7 @@
           <a:p>
             <a:fld id="{216BDA7A-BCA5-4481-8E8D-BF54DC8134F8}" type="datetimeFigureOut">
               <a:rPr lang="pt-BR" smtClean="0"/>
-              <a:t>21/08/2023</a:t>
+              <a:t>25/08/2023</a:t>
             </a:fld>
             <a:endParaRPr lang="pt-BR"/>
           </a:p>
@@ -589,7 +594,7 @@
           <a:p>
             <a:fld id="{216BDA7A-BCA5-4481-8E8D-BF54DC8134F8}" type="datetimeFigureOut">
               <a:rPr lang="pt-BR" smtClean="0"/>
-              <a:t>21/08/2023</a:t>
+              <a:t>25/08/2023</a:t>
             </a:fld>
             <a:endParaRPr lang="pt-BR"/>
           </a:p>
@@ -759,7 +764,7 @@
           <a:p>
             <a:fld id="{216BDA7A-BCA5-4481-8E8D-BF54DC8134F8}" type="datetimeFigureOut">
               <a:rPr lang="pt-BR" smtClean="0"/>
-              <a:t>21/08/2023</a:t>
+              <a:t>25/08/2023</a:t>
             </a:fld>
             <a:endParaRPr lang="pt-BR"/>
           </a:p>
@@ -1005,7 +1010,7 @@
           <a:p>
             <a:fld id="{216BDA7A-BCA5-4481-8E8D-BF54DC8134F8}" type="datetimeFigureOut">
               <a:rPr lang="pt-BR" smtClean="0"/>
-              <a:t>21/08/2023</a:t>
+              <a:t>25/08/2023</a:t>
             </a:fld>
             <a:endParaRPr lang="pt-BR"/>
           </a:p>
@@ -1237,7 +1242,7 @@
           <a:p>
             <a:fld id="{216BDA7A-BCA5-4481-8E8D-BF54DC8134F8}" type="datetimeFigureOut">
               <a:rPr lang="pt-BR" smtClean="0"/>
-              <a:t>21/08/2023</a:t>
+              <a:t>25/08/2023</a:t>
             </a:fld>
             <a:endParaRPr lang="pt-BR"/>
           </a:p>
@@ -1604,7 +1609,7 @@
           <a:p>
             <a:fld id="{216BDA7A-BCA5-4481-8E8D-BF54DC8134F8}" type="datetimeFigureOut">
               <a:rPr lang="pt-BR" smtClean="0"/>
-              <a:t>21/08/2023</a:t>
+              <a:t>25/08/2023</a:t>
             </a:fld>
             <a:endParaRPr lang="pt-BR"/>
           </a:p>
@@ -1722,7 +1727,7 @@
           <a:p>
             <a:fld id="{216BDA7A-BCA5-4481-8E8D-BF54DC8134F8}" type="datetimeFigureOut">
               <a:rPr lang="pt-BR" smtClean="0"/>
-              <a:t>21/08/2023</a:t>
+              <a:t>25/08/2023</a:t>
             </a:fld>
             <a:endParaRPr lang="pt-BR"/>
           </a:p>
@@ -1817,7 +1822,7 @@
           <a:p>
             <a:fld id="{216BDA7A-BCA5-4481-8E8D-BF54DC8134F8}" type="datetimeFigureOut">
               <a:rPr lang="pt-BR" smtClean="0"/>
-              <a:t>21/08/2023</a:t>
+              <a:t>25/08/2023</a:t>
             </a:fld>
             <a:endParaRPr lang="pt-BR"/>
           </a:p>
@@ -2094,7 +2099,7 @@
           <a:p>
             <a:fld id="{216BDA7A-BCA5-4481-8E8D-BF54DC8134F8}" type="datetimeFigureOut">
               <a:rPr lang="pt-BR" smtClean="0"/>
-              <a:t>21/08/2023</a:t>
+              <a:t>25/08/2023</a:t>
             </a:fld>
             <a:endParaRPr lang="pt-BR"/>
           </a:p>
@@ -2347,7 +2352,7 @@
           <a:p>
             <a:fld id="{216BDA7A-BCA5-4481-8E8D-BF54DC8134F8}" type="datetimeFigureOut">
               <a:rPr lang="pt-BR" smtClean="0"/>
-              <a:t>21/08/2023</a:t>
+              <a:t>25/08/2023</a:t>
             </a:fld>
             <a:endParaRPr lang="pt-BR"/>
           </a:p>
@@ -2560,7 +2565,7 @@
           <a:p>
             <a:fld id="{216BDA7A-BCA5-4481-8E8D-BF54DC8134F8}" type="datetimeFigureOut">
               <a:rPr lang="pt-BR" smtClean="0"/>
-              <a:t>21/08/2023</a:t>
+              <a:t>25/08/2023</a:t>
             </a:fld>
             <a:endParaRPr lang="pt-BR"/>
           </a:p>
@@ -2955,7 +2960,6 @@
       <p:bgPr>
         <a:blipFill dpi="0" rotWithShape="1">
           <a:blip r:embed="rId2">
-            <a:alphaModFix amt="83000"/>
             <a:lum/>
           </a:blip>
           <a:srcRect/>
@@ -2982,6 +2986,73 @@
       </p:grpSpPr>
       <p:sp>
         <p:nvSpPr>
+          <p:cNvPr id="5" name="Retângulo 4"/>
+          <p:cNvSpPr/>
+          <p:nvPr/>
+        </p:nvSpPr>
+        <p:spPr>
+          <a:xfrm>
+            <a:off x="0" y="0"/>
+            <a:ext cx="12192000" cy="6858000"/>
+          </a:xfrm>
+          <a:prstGeom prst="rect">
+            <a:avLst/>
+          </a:prstGeom>
+          <a:gradFill>
+            <a:gsLst>
+              <a:gs pos="100000">
+                <a:srgbClr val="130F45"/>
+              </a:gs>
+              <a:gs pos="0">
+                <a:srgbClr val="FFFFFF">
+                  <a:alpha val="0"/>
+                </a:srgbClr>
+              </a:gs>
+              <a:gs pos="100000">
+                <a:schemeClr val="tx1">
+                  <a:alpha val="50000"/>
+                </a:schemeClr>
+              </a:gs>
+              <a:gs pos="100000">
+                <a:schemeClr val="accent1">
+                  <a:lumMod val="45000"/>
+                  <a:lumOff val="55000"/>
+                </a:schemeClr>
+              </a:gs>
+              <a:gs pos="100000">
+                <a:srgbClr val="130F45"/>
+              </a:gs>
+            </a:gsLst>
+            <a:lin ang="5400000" scaled="1"/>
+          </a:gradFill>
+        </p:spPr>
+        <p:style>
+          <a:lnRef idx="2">
+            <a:schemeClr val="accent1">
+              <a:shade val="50000"/>
+            </a:schemeClr>
+          </a:lnRef>
+          <a:fillRef idx="1">
+            <a:schemeClr val="accent1"/>
+          </a:fillRef>
+          <a:effectRef idx="0">
+            <a:schemeClr val="accent1"/>
+          </a:effectRef>
+          <a:fontRef idx="minor">
+            <a:schemeClr val="lt1"/>
+          </a:fontRef>
+        </p:style>
+        <p:txBody>
+          <a:bodyPr rtlCol="0" anchor="ctr"/>
+          <a:lstStyle/>
+          <a:p>
+            <a:pPr algn="ctr"/>
+            <a:endParaRPr lang="pt-BR"/>
+          </a:p>
+        </p:txBody>
+      </p:sp>
+      <p:sp>
+        <p:nvSpPr>
           <p:cNvPr id="2" name="Título 1"/>
           <p:cNvSpPr>
             <a:spLocks noGrp="1"/>
@@ -3016,7 +3087,7 @@
                 </a:effectLst>
                 <a:latin typeface="BankGothic Lt BT" panose="020B0607020203060204" pitchFamily="34" charset="0"/>
               </a:rPr>
-              <a:t>NODE</a:t>
+              <a:t>NODE JS</a:t>
             </a:r>
             <a:endParaRPr lang="pt-BR" sz="10000" dirty="0">
               <a:solidFill>
@@ -3127,6 +3198,14 @@
 <file path=ppt/slides/slide2.xml><?xml version="1.0" encoding="utf-8"?>
 <p:sld xmlns:a="http://schemas.openxmlformats.org/drawingml/2006/main" xmlns:r="http://schemas.openxmlformats.org/officeDocument/2006/relationships" xmlns:p="http://schemas.openxmlformats.org/presentationml/2006/main">
   <p:cSld>
+    <p:bg>
+      <p:bgPr>
+        <a:solidFill>
+          <a:srgbClr val="F0EFEF"/>
+        </a:solidFill>
+        <a:effectLst/>
+      </p:bgPr>
+    </p:bg>
     <p:spTree>
       <p:nvGrpSpPr>
         <p:cNvPr id="1" name=""/>
@@ -3141,6 +3220,428 @@
           <a:chExt cx="0" cy="0"/>
         </a:xfrm>
       </p:grpSpPr>
+      <p:sp>
+        <p:nvSpPr>
+          <p:cNvPr id="9" name="Forma Livre 8"/>
+          <p:cNvSpPr/>
+          <p:nvPr/>
+        </p:nvSpPr>
+        <p:spPr>
+          <a:xfrm>
+            <a:off x="-954948" y="-159593"/>
+            <a:ext cx="10198260" cy="2354188"/>
+          </a:xfrm>
+          <a:custGeom>
+            <a:avLst/>
+            <a:gdLst>
+              <a:gd name="connsiteX0" fmla="*/ 732879 w 10198260"/>
+              <a:gd name="connsiteY0" fmla="*/ 1269936 h 2354188"/>
+              <a:gd name="connsiteX1" fmla="*/ 2352674 w 10198260"/>
+              <a:gd name="connsiteY1" fmla="*/ 2354153 h 2354188"/>
+              <a:gd name="connsiteX2" fmla="*/ 6480537 w 10198260"/>
+              <a:gd name="connsiteY2" fmla="*/ 1309124 h 2354188"/>
+              <a:gd name="connsiteX3" fmla="*/ 8857977 w 10198260"/>
+              <a:gd name="connsiteY3" fmla="*/ 1413627 h 2354188"/>
+              <a:gd name="connsiteX4" fmla="*/ 10072822 w 10198260"/>
+              <a:gd name="connsiteY4" fmla="*/ 303284 h 2354188"/>
+              <a:gd name="connsiteX5" fmla="*/ 10007508 w 10198260"/>
+              <a:gd name="connsiteY5" fmla="*/ 68153 h 2354188"/>
+              <a:gd name="connsiteX6" fmla="*/ 8727348 w 10198260"/>
+              <a:gd name="connsiteY6" fmla="*/ 68153 h 2354188"/>
+              <a:gd name="connsiteX7" fmla="*/ 628377 w 10198260"/>
+              <a:gd name="connsiteY7" fmla="*/ 94279 h 2354188"/>
+              <a:gd name="connsiteX8" fmla="*/ 732879 w 10198260"/>
+              <a:gd name="connsiteY8" fmla="*/ 1269936 h 2354188"/>
+            </a:gdLst>
+            <a:ahLst/>
+            <a:cxnLst>
+              <a:cxn ang="0">
+                <a:pos x="connsiteX0" y="connsiteY0"/>
+              </a:cxn>
+              <a:cxn ang="0">
+                <a:pos x="connsiteX1" y="connsiteY1"/>
+              </a:cxn>
+              <a:cxn ang="0">
+                <a:pos x="connsiteX2" y="connsiteY2"/>
+              </a:cxn>
+              <a:cxn ang="0">
+                <a:pos x="connsiteX3" y="connsiteY3"/>
+              </a:cxn>
+              <a:cxn ang="0">
+                <a:pos x="connsiteX4" y="connsiteY4"/>
+              </a:cxn>
+              <a:cxn ang="0">
+                <a:pos x="connsiteX5" y="connsiteY5"/>
+              </a:cxn>
+              <a:cxn ang="0">
+                <a:pos x="connsiteX6" y="connsiteY6"/>
+              </a:cxn>
+              <a:cxn ang="0">
+                <a:pos x="connsiteX7" y="connsiteY7"/>
+              </a:cxn>
+              <a:cxn ang="0">
+                <a:pos x="connsiteX8" y="connsiteY8"/>
+              </a:cxn>
+            </a:cxnLst>
+            <a:rect l="l" t="t" r="r" b="b"/>
+            <a:pathLst>
+              <a:path w="10198260" h="2354188">
+                <a:moveTo>
+                  <a:pt x="732879" y="1269936"/>
+                </a:moveTo>
+                <a:cubicBezTo>
+                  <a:pt x="1020262" y="1646582"/>
+                  <a:pt x="1394731" y="2347622"/>
+                  <a:pt x="2352674" y="2354153"/>
+                </a:cubicBezTo>
+                <a:cubicBezTo>
+                  <a:pt x="3310617" y="2360684"/>
+                  <a:pt x="5396320" y="1465878"/>
+                  <a:pt x="6480537" y="1309124"/>
+                </a:cubicBezTo>
+                <a:cubicBezTo>
+                  <a:pt x="7564754" y="1152370"/>
+                  <a:pt x="8259263" y="1581267"/>
+                  <a:pt x="8857977" y="1413627"/>
+                </a:cubicBezTo>
+                <a:cubicBezTo>
+                  <a:pt x="9456691" y="1245987"/>
+                  <a:pt x="9881234" y="527530"/>
+                  <a:pt x="10072822" y="303284"/>
+                </a:cubicBezTo>
+                <a:cubicBezTo>
+                  <a:pt x="10264410" y="79038"/>
+                  <a:pt x="10231754" y="107341"/>
+                  <a:pt x="10007508" y="68153"/>
+                </a:cubicBezTo>
+                <a:cubicBezTo>
+                  <a:pt x="9783262" y="28965"/>
+                  <a:pt x="8727348" y="68153"/>
+                  <a:pt x="8727348" y="68153"/>
+                </a:cubicBezTo>
+                <a:cubicBezTo>
+                  <a:pt x="7164160" y="72507"/>
+                  <a:pt x="1956434" y="-103841"/>
+                  <a:pt x="628377" y="94279"/>
+                </a:cubicBezTo>
+                <a:cubicBezTo>
+                  <a:pt x="-699680" y="292399"/>
+                  <a:pt x="445496" y="893290"/>
+                  <a:pt x="732879" y="1269936"/>
+                </a:cubicBezTo>
+                <a:close/>
+              </a:path>
+            </a:pathLst>
+          </a:custGeom>
+          <a:solidFill>
+            <a:srgbClr val="3E4072"/>
+          </a:solidFill>
+          <a:ln>
+            <a:solidFill>
+              <a:srgbClr val="3E4072"/>
+            </a:solidFill>
+          </a:ln>
+        </p:spPr>
+        <p:style>
+          <a:lnRef idx="2">
+            <a:schemeClr val="accent1">
+              <a:shade val="50000"/>
+            </a:schemeClr>
+          </a:lnRef>
+          <a:fillRef idx="1">
+            <a:schemeClr val="accent1"/>
+          </a:fillRef>
+          <a:effectRef idx="0">
+            <a:schemeClr val="accent1"/>
+          </a:effectRef>
+          <a:fontRef idx="minor">
+            <a:schemeClr val="lt1"/>
+          </a:fontRef>
+        </p:style>
+        <p:txBody>
+          <a:bodyPr rtlCol="0" anchor="ctr"/>
+          <a:lstStyle/>
+          <a:p>
+            <a:pPr algn="ctr"/>
+            <a:endParaRPr lang="pt-BR">
+              <a:solidFill>
+                <a:schemeClr val="tx1">
+                  <a:lumMod val="65000"/>
+                  <a:lumOff val="35000"/>
+                </a:schemeClr>
+              </a:solidFill>
+            </a:endParaRPr>
+          </a:p>
+        </p:txBody>
+      </p:sp>
+      <p:sp>
+        <p:nvSpPr>
+          <p:cNvPr id="2" name="CaixaDeTexto 1"/>
+          <p:cNvSpPr txBox="1"/>
+          <p:nvPr/>
+        </p:nvSpPr>
+        <p:spPr>
+          <a:xfrm>
+            <a:off x="541504" y="287739"/>
+            <a:ext cx="3860352" cy="1015663"/>
+          </a:xfrm>
+          <a:prstGeom prst="rect">
+            <a:avLst/>
+          </a:prstGeom>
+          <a:noFill/>
+        </p:spPr>
+        <p:txBody>
+          <a:bodyPr wrap="none" rtlCol="0">
+            <a:spAutoFit/>
+          </a:bodyPr>
+          <a:lstStyle/>
+          <a:p>
+            <a:r>
+              <a:rPr lang="pt-BR" sz="6000" b="1" dirty="0" smtClean="0">
+                <a:solidFill>
+                  <a:srgbClr val="F0EFEF"/>
+                </a:solidFill>
+                <a:latin typeface="BankGothic Lt BT" panose="020B0607020203060204" pitchFamily="34" charset="0"/>
+              </a:rPr>
+              <a:t>O que é?</a:t>
+            </a:r>
+            <a:endParaRPr lang="pt-BR" sz="6000" b="1" dirty="0">
+              <a:solidFill>
+                <a:srgbClr val="F0EFEF"/>
+              </a:solidFill>
+              <a:latin typeface="BankGothic Lt BT" panose="020B0607020203060204" pitchFamily="34" charset="0"/>
+            </a:endParaRPr>
+          </a:p>
+        </p:txBody>
+      </p:sp>
+      <p:pic>
+        <p:nvPicPr>
+          <p:cNvPr id="1026" name="Picture 2" descr="Node.js – Wikipédia, a enciclopédia livre"/>
+          <p:cNvPicPr>
+            <a:picLocks noChangeAspect="1" noChangeArrowheads="1"/>
+          </p:cNvPicPr>
+          <p:nvPr/>
+        </p:nvPicPr>
+        <p:blipFill>
+          <a:blip r:embed="rId2" cstate="print">
+            <a:extLst>
+              <a:ext uri="{28A0092B-C50C-407E-A947-70E740481C1C}">
+                <a14:useLocalDpi xmlns:a14="http://schemas.microsoft.com/office/drawing/2010/main" val="0"/>
+              </a:ext>
+            </a:extLst>
+          </a:blip>
+          <a:srcRect/>
+          <a:stretch>
+            <a:fillRect/>
+          </a:stretch>
+        </p:blipFill>
+        <p:spPr bwMode="auto">
+          <a:xfrm>
+            <a:off x="6861964" y="2041321"/>
+            <a:ext cx="4762696" cy="2913182"/>
+          </a:xfrm>
+          <a:prstGeom prst="rect">
+            <a:avLst/>
+          </a:prstGeom>
+          <a:noFill/>
+          <a:extLst>
+            <a:ext uri="{909E8E84-426E-40DD-AFC4-6F175D3DCCD1}">
+              <a14:hiddenFill xmlns:a14="http://schemas.microsoft.com/office/drawing/2010/main">
+                <a:solidFill>
+                  <a:srgbClr val="FFFFFF"/>
+                </a:solidFill>
+              </a14:hiddenFill>
+            </a:ext>
+          </a:extLst>
+        </p:spPr>
+      </p:pic>
+      <p:sp>
+        <p:nvSpPr>
+          <p:cNvPr id="10" name="CaixaDeTexto 9"/>
+          <p:cNvSpPr txBox="1"/>
+          <p:nvPr/>
+        </p:nvSpPr>
+        <p:spPr>
+          <a:xfrm>
+            <a:off x="541504" y="2641927"/>
+            <a:ext cx="6120552" cy="1384995"/>
+          </a:xfrm>
+          <a:prstGeom prst="rect">
+            <a:avLst/>
+          </a:prstGeom>
+          <a:noFill/>
+        </p:spPr>
+        <p:txBody>
+          <a:bodyPr wrap="square" rtlCol="0">
+            <a:spAutoFit/>
+          </a:bodyPr>
+          <a:lstStyle/>
+          <a:p>
+            <a:pPr marL="285750" indent="-285750">
+              <a:buFontTx/>
+              <a:buChar char="-"/>
+            </a:pPr>
+            <a:r>
+              <a:rPr lang="pt-BR" sz="2800" dirty="0" smtClean="0">
+                <a:solidFill>
+                  <a:srgbClr val="3E4072"/>
+                </a:solidFill>
+                <a:latin typeface="Arial Black" panose="020B0A04020102020204" pitchFamily="34" charset="0"/>
+              </a:rPr>
+              <a:t>Ambiente </a:t>
+            </a:r>
+            <a:r>
+              <a:rPr lang="pt-BR" sz="2800" dirty="0">
+                <a:solidFill>
+                  <a:srgbClr val="3E4072"/>
+                </a:solidFill>
+                <a:latin typeface="Arial Black" panose="020B0A04020102020204" pitchFamily="34" charset="0"/>
+              </a:rPr>
+              <a:t>de execução </a:t>
+            </a:r>
+            <a:r>
+              <a:rPr lang="pt-BR" sz="2800" dirty="0" err="1" smtClean="0">
+                <a:solidFill>
+                  <a:srgbClr val="3E4072"/>
+                </a:solidFill>
+                <a:latin typeface="Arial Black" panose="020B0A04020102020204" pitchFamily="34" charset="0"/>
+              </a:rPr>
+              <a:t>JavaScript</a:t>
+            </a:r>
+            <a:r>
+              <a:rPr lang="pt-BR" sz="2800" dirty="0" smtClean="0">
+                <a:solidFill>
+                  <a:srgbClr val="3E4072"/>
+                </a:solidFill>
+                <a:latin typeface="Arial Black" panose="020B0A04020102020204" pitchFamily="34" charset="0"/>
+              </a:rPr>
+              <a:t> </a:t>
+            </a:r>
+            <a:r>
+              <a:rPr lang="pt-BR" sz="2800" dirty="0">
+                <a:solidFill>
+                  <a:srgbClr val="3E4072"/>
+                </a:solidFill>
+                <a:latin typeface="Arial Black" panose="020B0A04020102020204" pitchFamily="34" charset="0"/>
+              </a:rPr>
+              <a:t>no lado do servidor</a:t>
+            </a:r>
+            <a:r>
+              <a:rPr lang="pt-BR" sz="2800" dirty="0" smtClean="0">
+                <a:solidFill>
+                  <a:srgbClr val="3E4072"/>
+                </a:solidFill>
+                <a:latin typeface="Arial Black" panose="020B0A04020102020204" pitchFamily="34" charset="0"/>
+              </a:rPr>
+              <a:t>.</a:t>
+            </a:r>
+            <a:endParaRPr lang="pt-BR" sz="2800" dirty="0">
+              <a:solidFill>
+                <a:srgbClr val="3E4072"/>
+              </a:solidFill>
+              <a:latin typeface="Arial Black" panose="020B0A04020102020204" pitchFamily="34" charset="0"/>
+            </a:endParaRPr>
+          </a:p>
+        </p:txBody>
+      </p:sp>
+      <p:sp>
+        <p:nvSpPr>
+          <p:cNvPr id="14" name="CaixaDeTexto 13"/>
+          <p:cNvSpPr txBox="1"/>
+          <p:nvPr/>
+        </p:nvSpPr>
+        <p:spPr>
+          <a:xfrm>
+            <a:off x="541504" y="4262005"/>
+            <a:ext cx="5088587" cy="1384995"/>
+          </a:xfrm>
+          <a:prstGeom prst="rect">
+            <a:avLst/>
+          </a:prstGeom>
+          <a:noFill/>
+        </p:spPr>
+        <p:txBody>
+          <a:bodyPr wrap="square" rtlCol="0">
+            <a:spAutoFit/>
+          </a:bodyPr>
+          <a:lstStyle/>
+          <a:p>
+            <a:pPr fontAlgn="base"/>
+            <a:r>
+              <a:rPr lang="pt-BR" sz="2800" dirty="0" smtClean="0">
+                <a:solidFill>
+                  <a:srgbClr val="3E4072"/>
+                </a:solidFill>
+                <a:latin typeface="Arial Black" panose="020B0A04020102020204" pitchFamily="34" charset="0"/>
+              </a:rPr>
+              <a:t>- Transição </a:t>
+            </a:r>
+            <a:r>
+              <a:rPr lang="pt-BR" sz="2800" dirty="0">
+                <a:solidFill>
+                  <a:srgbClr val="3E4072"/>
+                </a:solidFill>
+                <a:latin typeface="Arial Black" panose="020B0A04020102020204" pitchFamily="34" charset="0"/>
+              </a:rPr>
+              <a:t>do </a:t>
+            </a:r>
+            <a:r>
+              <a:rPr lang="pt-BR" sz="2800" dirty="0" err="1">
+                <a:solidFill>
+                  <a:srgbClr val="3E4072"/>
+                </a:solidFill>
+                <a:latin typeface="Arial Black" panose="020B0A04020102020204" pitchFamily="34" charset="0"/>
+              </a:rPr>
+              <a:t>JavaScript</a:t>
+            </a:r>
+            <a:r>
+              <a:rPr lang="pt-BR" sz="2800" dirty="0">
+                <a:solidFill>
+                  <a:srgbClr val="3E4072"/>
+                </a:solidFill>
+                <a:latin typeface="Arial Black" panose="020B0A04020102020204" pitchFamily="34" charset="0"/>
+              </a:rPr>
+              <a:t> de front-</a:t>
+            </a:r>
+            <a:r>
+              <a:rPr lang="pt-BR" sz="2800" dirty="0" err="1">
+                <a:solidFill>
+                  <a:srgbClr val="3E4072"/>
+                </a:solidFill>
+                <a:latin typeface="Arial Black" panose="020B0A04020102020204" pitchFamily="34" charset="0"/>
+              </a:rPr>
+              <a:t>end</a:t>
+            </a:r>
+            <a:r>
+              <a:rPr lang="pt-BR" sz="2800" dirty="0">
+                <a:solidFill>
+                  <a:srgbClr val="3E4072"/>
+                </a:solidFill>
+                <a:latin typeface="Arial Black" panose="020B0A04020102020204" pitchFamily="34" charset="0"/>
+              </a:rPr>
+              <a:t> para </a:t>
+            </a:r>
+            <a:r>
+              <a:rPr lang="pt-BR" sz="2800" dirty="0" err="1">
+                <a:solidFill>
+                  <a:srgbClr val="3E4072"/>
+                </a:solidFill>
+                <a:latin typeface="Arial Black" panose="020B0A04020102020204" pitchFamily="34" charset="0"/>
+              </a:rPr>
+              <a:t>back</a:t>
+            </a:r>
+            <a:r>
+              <a:rPr lang="pt-BR" sz="2800" dirty="0">
+                <a:solidFill>
+                  <a:srgbClr val="3E4072"/>
+                </a:solidFill>
+                <a:latin typeface="Arial Black" panose="020B0A04020102020204" pitchFamily="34" charset="0"/>
+              </a:rPr>
+              <a:t>-end.</a:t>
+            </a:r>
+          </a:p>
+        </p:txBody>
+      </p:sp>
     </p:spTree>
     <p:extLst>
       <p:ext uri="{BB962C8B-B14F-4D97-AF65-F5344CB8AC3E}">
@@ -3164,7 +3665,7 @@
 <file path=ppt/theme/theme1.xml><?xml version="1.0" encoding="utf-8"?>
 <a:theme xmlns:a="http://schemas.openxmlformats.org/drawingml/2006/main" name="Tema do Office">
   <a:themeElements>
-    <a:clrScheme name="Office">
+    <a:clrScheme name="Office 2007-2010">
       <a:dk1>
         <a:sysClr val="windowText" lastClr="000000"/>
       </a:dk1>
@@ -3172,34 +3673,34 @@
         <a:sysClr val="window" lastClr="FFFFFF"/>
       </a:lt1>
       <a:dk2>
-        <a:srgbClr val="44546A"/>
+        <a:srgbClr val="1F497D"/>
       </a:dk2>
       <a:lt2>
-        <a:srgbClr val="E7E6E6"/>
+        <a:srgbClr val="EEECE1"/>
       </a:lt2>
       <a:accent1>
-        <a:srgbClr val="5B9BD5"/>
+        <a:srgbClr val="4F81BD"/>
       </a:accent1>
       <a:accent2>
-        <a:srgbClr val="ED7D31"/>
+        <a:srgbClr val="C0504D"/>
       </a:accent2>
       <a:accent3>
-        <a:srgbClr val="A5A5A5"/>
+        <a:srgbClr val="9BBB59"/>
       </a:accent3>
       <a:accent4>
-        <a:srgbClr val="FFC000"/>
+        <a:srgbClr val="8064A2"/>
       </a:accent4>
       <a:accent5>
-        <a:srgbClr val="4472C4"/>
+        <a:srgbClr val="4BACC6"/>
       </a:accent5>
       <a:accent6>
-        <a:srgbClr val="70AD47"/>
+        <a:srgbClr val="F79646"/>
       </a:accent6>
       <a:hlink>
-        <a:srgbClr val="0563C1"/>
+        <a:srgbClr val="0000FF"/>
       </a:hlink>
       <a:folHlink>
-        <a:srgbClr val="954F72"/>
+        <a:srgbClr val="800080"/>
       </a:folHlink>
     </a:clrScheme>
     <a:fontScheme name="Office">

--- a/NODE.pptx
+++ b/NODE.pptx
@@ -7,6 +7,7 @@
   <p:sldIdLst>
     <p:sldId id="256" r:id="rId2"/>
     <p:sldId id="257" r:id="rId3"/>
+    <p:sldId id="258" r:id="rId4"/>
   </p:sldIdLst>
   <p:sldSz cx="12192000" cy="6858000"/>
   <p:notesSz cx="6858000" cy="9144000"/>
@@ -3662,6 +3663,240 @@
 </p:sld>
 </file>
 
+<file path=ppt/slides/slide3.xml><?xml version="1.0" encoding="utf-8"?>
+<p:sld xmlns:a="http://schemas.openxmlformats.org/drawingml/2006/main" xmlns:r="http://schemas.openxmlformats.org/officeDocument/2006/relationships" xmlns:p="http://schemas.openxmlformats.org/presentationml/2006/main">
+  <p:cSld>
+    <p:spTree>
+      <p:nvGrpSpPr>
+        <p:cNvPr id="1" name=""/>
+        <p:cNvGrpSpPr/>
+        <p:nvPr/>
+      </p:nvGrpSpPr>
+      <p:grpSpPr>
+        <a:xfrm>
+          <a:off x="0" y="0"/>
+          <a:ext cx="0" cy="0"/>
+          <a:chOff x="0" y="0"/>
+          <a:chExt cx="0" cy="0"/>
+        </a:xfrm>
+      </p:grpSpPr>
+      <p:sp>
+        <p:nvSpPr>
+          <p:cNvPr id="2" name="Retângulo 1"/>
+          <p:cNvSpPr/>
+          <p:nvPr/>
+        </p:nvSpPr>
+        <p:spPr>
+          <a:xfrm>
+            <a:off x="5809130" y="0"/>
+            <a:ext cx="6382870" cy="6858000"/>
+          </a:xfrm>
+          <a:prstGeom prst="rect">
+            <a:avLst/>
+          </a:prstGeom>
+          <a:solidFill>
+            <a:srgbClr val="3E4072"/>
+          </a:solidFill>
+          <a:ln>
+            <a:solidFill>
+              <a:srgbClr val="3E4072"/>
+            </a:solidFill>
+          </a:ln>
+        </p:spPr>
+        <p:style>
+          <a:lnRef idx="2">
+            <a:schemeClr val="accent1">
+              <a:shade val="50000"/>
+            </a:schemeClr>
+          </a:lnRef>
+          <a:fillRef idx="1">
+            <a:schemeClr val="accent1"/>
+          </a:fillRef>
+          <a:effectRef idx="0">
+            <a:schemeClr val="accent1"/>
+          </a:effectRef>
+          <a:fontRef idx="minor">
+            <a:schemeClr val="lt1"/>
+          </a:fontRef>
+        </p:style>
+        <p:txBody>
+          <a:bodyPr rtlCol="0" anchor="ctr"/>
+          <a:lstStyle/>
+          <a:p>
+            <a:pPr algn="ctr"/>
+            <a:endParaRPr lang="pt-BR"/>
+          </a:p>
+        </p:txBody>
+      </p:sp>
+      <p:sp>
+        <p:nvSpPr>
+          <p:cNvPr id="3" name="CaixaDeTexto 2"/>
+          <p:cNvSpPr txBox="1"/>
+          <p:nvPr/>
+        </p:nvSpPr>
+        <p:spPr>
+          <a:xfrm>
+            <a:off x="6545132" y="0"/>
+            <a:ext cx="5136775" cy="1938992"/>
+          </a:xfrm>
+          <a:prstGeom prst="rect">
+            <a:avLst/>
+          </a:prstGeom>
+          <a:noFill/>
+        </p:spPr>
+        <p:txBody>
+          <a:bodyPr wrap="square" rtlCol="0">
+            <a:spAutoFit/>
+          </a:bodyPr>
+          <a:lstStyle/>
+          <a:p>
+            <a:pPr algn="ctr"/>
+            <a:r>
+              <a:rPr lang="pt-BR" sz="6000" b="1" dirty="0" smtClean="0">
+                <a:solidFill>
+                  <a:srgbClr val="F0EFEF"/>
+                </a:solidFill>
+                <a:latin typeface="BankGothic Lt BT" panose="020B0607020203060204" pitchFamily="34" charset="0"/>
+              </a:rPr>
+              <a:t>História do node </a:t>
+            </a:r>
+            <a:r>
+              <a:rPr lang="pt-BR" sz="6000" b="1" dirty="0" err="1" smtClean="0">
+                <a:solidFill>
+                  <a:srgbClr val="F0EFEF"/>
+                </a:solidFill>
+                <a:latin typeface="BankGothic Lt BT" panose="020B0607020203060204" pitchFamily="34" charset="0"/>
+              </a:rPr>
+              <a:t>js</a:t>
+            </a:r>
+            <a:endParaRPr lang="pt-BR" sz="6000" b="1" dirty="0">
+              <a:solidFill>
+                <a:srgbClr val="F0EFEF"/>
+              </a:solidFill>
+              <a:latin typeface="BankGothic Lt BT" panose="020B0607020203060204" pitchFamily="34" charset="0"/>
+            </a:endParaRPr>
+          </a:p>
+        </p:txBody>
+      </p:sp>
+      <p:sp>
+        <p:nvSpPr>
+          <p:cNvPr id="4" name="CaixaDeTexto 3"/>
+          <p:cNvSpPr txBox="1"/>
+          <p:nvPr/>
+        </p:nvSpPr>
+        <p:spPr>
+          <a:xfrm>
+            <a:off x="6642847" y="2211621"/>
+            <a:ext cx="5039060" cy="954107"/>
+          </a:xfrm>
+          <a:prstGeom prst="rect">
+            <a:avLst/>
+          </a:prstGeom>
+          <a:noFill/>
+        </p:spPr>
+        <p:txBody>
+          <a:bodyPr wrap="square" rtlCol="0">
+            <a:spAutoFit/>
+          </a:bodyPr>
+          <a:lstStyle/>
+          <a:p>
+            <a:pPr marL="285750" indent="-285750" algn="r">
+              <a:buFontTx/>
+              <a:buChar char="-"/>
+            </a:pPr>
+            <a:r>
+              <a:rPr lang="pt-BR" sz="2800" dirty="0">
+                <a:solidFill>
+                  <a:srgbClr val="F0EFEF"/>
+                </a:solidFill>
+                <a:latin typeface="Arial Black" panose="020B0A04020102020204" pitchFamily="34" charset="0"/>
+              </a:rPr>
+              <a:t>Criado em 2009 por Ryan Dahl</a:t>
+            </a:r>
+            <a:endParaRPr lang="pt-BR" sz="2800" dirty="0">
+              <a:solidFill>
+                <a:srgbClr val="F0EFEF"/>
+              </a:solidFill>
+              <a:latin typeface="Arial Black" panose="020B0A04020102020204" pitchFamily="34" charset="0"/>
+            </a:endParaRPr>
+          </a:p>
+        </p:txBody>
+      </p:sp>
+      <p:sp>
+        <p:nvSpPr>
+          <p:cNvPr id="5" name="CaixaDeTexto 4"/>
+          <p:cNvSpPr txBox="1"/>
+          <p:nvPr/>
+        </p:nvSpPr>
+        <p:spPr>
+          <a:xfrm>
+            <a:off x="6642847" y="4534810"/>
+            <a:ext cx="5039060" cy="1384995"/>
+          </a:xfrm>
+          <a:prstGeom prst="rect">
+            <a:avLst/>
+          </a:prstGeom>
+          <a:noFill/>
+        </p:spPr>
+        <p:txBody>
+          <a:bodyPr wrap="square" rtlCol="0">
+            <a:spAutoFit/>
+          </a:bodyPr>
+          <a:lstStyle/>
+          <a:p>
+            <a:pPr marL="285750" indent="-285750" algn="r">
+              <a:buFontTx/>
+              <a:buChar char="-"/>
+            </a:pPr>
+            <a:r>
+              <a:rPr lang="pt-BR" sz="2800" dirty="0">
+                <a:solidFill>
+                  <a:srgbClr val="F0EFEF"/>
+                </a:solidFill>
+                <a:latin typeface="Arial Black" panose="020B0A04020102020204" pitchFamily="34" charset="0"/>
+              </a:rPr>
+              <a:t>Resposta às tentativas de executar </a:t>
+            </a:r>
+            <a:r>
+              <a:rPr lang="pt-BR" sz="2800" dirty="0" err="1">
+                <a:solidFill>
+                  <a:srgbClr val="F0EFEF"/>
+                </a:solidFill>
+                <a:latin typeface="Arial Black" panose="020B0A04020102020204" pitchFamily="34" charset="0"/>
+              </a:rPr>
+              <a:t>JavaScript</a:t>
+            </a:r>
+            <a:r>
+              <a:rPr lang="pt-BR" sz="2800" dirty="0">
+                <a:solidFill>
+                  <a:srgbClr val="F0EFEF"/>
+                </a:solidFill>
+                <a:latin typeface="Arial Black" panose="020B0A04020102020204" pitchFamily="34" charset="0"/>
+              </a:rPr>
+              <a:t> no lado do servidor</a:t>
+            </a:r>
+            <a:endParaRPr lang="pt-BR" sz="2800" dirty="0">
+              <a:solidFill>
+                <a:srgbClr val="F0EFEF"/>
+              </a:solidFill>
+              <a:latin typeface="Arial Black" panose="020B0A04020102020204" pitchFamily="34" charset="0"/>
+            </a:endParaRPr>
+          </a:p>
+        </p:txBody>
+      </p:sp>
+    </p:spTree>
+    <p:extLst>
+      <p:ext uri="{BB962C8B-B14F-4D97-AF65-F5344CB8AC3E}">
+        <p14:creationId xmlns:p14="http://schemas.microsoft.com/office/powerpoint/2010/main" val="909989070"/>
+      </p:ext>
+    </p:extLst>
+  </p:cSld>
+  <p:clrMapOvr>
+    <a:masterClrMapping/>
+  </p:clrMapOvr>
+</p:sld>
+</file>
+
 <file path=ppt/theme/theme1.xml><?xml version="1.0" encoding="utf-8"?>
 <a:theme xmlns:a="http://schemas.openxmlformats.org/drawingml/2006/main" name="Tema do Office">
   <a:themeElements>

--- a/NODE.pptx
+++ b/NODE.pptx
@@ -3813,12 +3813,6 @@
               </a:rPr>
               <a:t>Criado em 2009 por Ryan Dahl</a:t>
             </a:r>
-            <a:endParaRPr lang="pt-BR" sz="2800" dirty="0">
-              <a:solidFill>
-                <a:srgbClr val="F0EFEF"/>
-              </a:solidFill>
-              <a:latin typeface="Arial Black" panose="020B0A04020102020204" pitchFamily="34" charset="0"/>
-            </a:endParaRPr>
           </a:p>
         </p:txBody>
       </p:sp>
@@ -3875,12 +3869,6 @@
               </a:rPr>
               <a:t> no lado do servidor</a:t>
             </a:r>
-            <a:endParaRPr lang="pt-BR" sz="2800" dirty="0">
-              <a:solidFill>
-                <a:srgbClr val="F0EFEF"/>
-              </a:solidFill>
-              <a:latin typeface="Arial Black" panose="020B0A04020102020204" pitchFamily="34" charset="0"/>
-            </a:endParaRPr>
           </a:p>
         </p:txBody>
       </p:sp>

--- a/NODE.pptx
+++ b/NODE.pptx
@@ -8,6 +8,8 @@
     <p:sldId id="256" r:id="rId2"/>
     <p:sldId id="257" r:id="rId3"/>
     <p:sldId id="258" r:id="rId4"/>
+    <p:sldId id="259" r:id="rId5"/>
+    <p:sldId id="260" r:id="rId6"/>
   </p:sldIdLst>
   <p:sldSz cx="12192000" cy="6858000"/>
   <p:notesSz cx="6858000" cy="9144000"/>
@@ -245,7 +247,7 @@
           <a:p>
             <a:fld id="{216BDA7A-BCA5-4481-8E8D-BF54DC8134F8}" type="datetimeFigureOut">
               <a:rPr lang="pt-BR" smtClean="0"/>
-              <a:t>25/08/2023</a:t>
+              <a:t>28/08/2023</a:t>
             </a:fld>
             <a:endParaRPr lang="pt-BR"/>
           </a:p>
@@ -415,7 +417,7 @@
           <a:p>
             <a:fld id="{216BDA7A-BCA5-4481-8E8D-BF54DC8134F8}" type="datetimeFigureOut">
               <a:rPr lang="pt-BR" smtClean="0"/>
-              <a:t>25/08/2023</a:t>
+              <a:t>28/08/2023</a:t>
             </a:fld>
             <a:endParaRPr lang="pt-BR"/>
           </a:p>
@@ -595,7 +597,7 @@
           <a:p>
             <a:fld id="{216BDA7A-BCA5-4481-8E8D-BF54DC8134F8}" type="datetimeFigureOut">
               <a:rPr lang="pt-BR" smtClean="0"/>
-              <a:t>25/08/2023</a:t>
+              <a:t>28/08/2023</a:t>
             </a:fld>
             <a:endParaRPr lang="pt-BR"/>
           </a:p>
@@ -765,7 +767,7 @@
           <a:p>
             <a:fld id="{216BDA7A-BCA5-4481-8E8D-BF54DC8134F8}" type="datetimeFigureOut">
               <a:rPr lang="pt-BR" smtClean="0"/>
-              <a:t>25/08/2023</a:t>
+              <a:t>28/08/2023</a:t>
             </a:fld>
             <a:endParaRPr lang="pt-BR"/>
           </a:p>
@@ -1011,7 +1013,7 @@
           <a:p>
             <a:fld id="{216BDA7A-BCA5-4481-8E8D-BF54DC8134F8}" type="datetimeFigureOut">
               <a:rPr lang="pt-BR" smtClean="0"/>
-              <a:t>25/08/2023</a:t>
+              <a:t>28/08/2023</a:t>
             </a:fld>
             <a:endParaRPr lang="pt-BR"/>
           </a:p>
@@ -1243,7 +1245,7 @@
           <a:p>
             <a:fld id="{216BDA7A-BCA5-4481-8E8D-BF54DC8134F8}" type="datetimeFigureOut">
               <a:rPr lang="pt-BR" smtClean="0"/>
-              <a:t>25/08/2023</a:t>
+              <a:t>28/08/2023</a:t>
             </a:fld>
             <a:endParaRPr lang="pt-BR"/>
           </a:p>
@@ -1610,7 +1612,7 @@
           <a:p>
             <a:fld id="{216BDA7A-BCA5-4481-8E8D-BF54DC8134F8}" type="datetimeFigureOut">
               <a:rPr lang="pt-BR" smtClean="0"/>
-              <a:t>25/08/2023</a:t>
+              <a:t>28/08/2023</a:t>
             </a:fld>
             <a:endParaRPr lang="pt-BR"/>
           </a:p>
@@ -1728,7 +1730,7 @@
           <a:p>
             <a:fld id="{216BDA7A-BCA5-4481-8E8D-BF54DC8134F8}" type="datetimeFigureOut">
               <a:rPr lang="pt-BR" smtClean="0"/>
-              <a:t>25/08/2023</a:t>
+              <a:t>28/08/2023</a:t>
             </a:fld>
             <a:endParaRPr lang="pt-BR"/>
           </a:p>
@@ -1823,7 +1825,7 @@
           <a:p>
             <a:fld id="{216BDA7A-BCA5-4481-8E8D-BF54DC8134F8}" type="datetimeFigureOut">
               <a:rPr lang="pt-BR" smtClean="0"/>
-              <a:t>25/08/2023</a:t>
+              <a:t>28/08/2023</a:t>
             </a:fld>
             <a:endParaRPr lang="pt-BR"/>
           </a:p>
@@ -2100,7 +2102,7 @@
           <a:p>
             <a:fld id="{216BDA7A-BCA5-4481-8E8D-BF54DC8134F8}" type="datetimeFigureOut">
               <a:rPr lang="pt-BR" smtClean="0"/>
-              <a:t>25/08/2023</a:t>
+              <a:t>28/08/2023</a:t>
             </a:fld>
             <a:endParaRPr lang="pt-BR"/>
           </a:p>
@@ -2353,7 +2355,7 @@
           <a:p>
             <a:fld id="{216BDA7A-BCA5-4481-8E8D-BF54DC8134F8}" type="datetimeFigureOut">
               <a:rPr lang="pt-BR" smtClean="0"/>
-              <a:t>25/08/2023</a:t>
+              <a:t>28/08/2023</a:t>
             </a:fld>
             <a:endParaRPr lang="pt-BR"/>
           </a:p>
@@ -2566,7 +2568,7 @@
           <a:p>
             <a:fld id="{216BDA7A-BCA5-4481-8E8D-BF54DC8134F8}" type="datetimeFigureOut">
               <a:rPr lang="pt-BR" smtClean="0"/>
-              <a:t>25/08/2023</a:t>
+              <a:t>28/08/2023</a:t>
             </a:fld>
             <a:endParaRPr lang="pt-BR"/>
           </a:p>
@@ -3666,6 +3668,14 @@
 <file path=ppt/slides/slide3.xml><?xml version="1.0" encoding="utf-8"?>
 <p:sld xmlns:a="http://schemas.openxmlformats.org/drawingml/2006/main" xmlns:r="http://schemas.openxmlformats.org/officeDocument/2006/relationships" xmlns:p="http://schemas.openxmlformats.org/presentationml/2006/main">
   <p:cSld>
+    <p:bg>
+      <p:bgPr>
+        <a:solidFill>
+          <a:srgbClr val="F0EFEF"/>
+        </a:solidFill>
+        <a:effectLst/>
+      </p:bgPr>
+    </p:bg>
     <p:spTree>
       <p:nvGrpSpPr>
         <p:cNvPr id="1" name=""/>
@@ -3882,6 +3892,496 @@
   <p:clrMapOvr>
     <a:masterClrMapping/>
   </p:clrMapOvr>
+  <p:timing>
+    <p:tnLst>
+      <p:par>
+        <p:cTn id="1" dur="indefinite" restart="never" nodeType="tmRoot"/>
+      </p:par>
+    </p:tnLst>
+  </p:timing>
+</p:sld>
+</file>
+
+<file path=ppt/slides/slide4.xml><?xml version="1.0" encoding="utf-8"?>
+<p:sld xmlns:a="http://schemas.openxmlformats.org/drawingml/2006/main" xmlns:r="http://schemas.openxmlformats.org/officeDocument/2006/relationships" xmlns:p="http://schemas.openxmlformats.org/presentationml/2006/main">
+  <p:cSld>
+    <p:bg>
+      <p:bgPr>
+        <a:solidFill>
+          <a:srgbClr val="F0EFEF"/>
+        </a:solidFill>
+        <a:effectLst/>
+      </p:bgPr>
+    </p:bg>
+    <p:spTree>
+      <p:nvGrpSpPr>
+        <p:cNvPr id="1" name=""/>
+        <p:cNvGrpSpPr/>
+        <p:nvPr/>
+      </p:nvGrpSpPr>
+      <p:grpSpPr>
+        <a:xfrm>
+          <a:off x="0" y="0"/>
+          <a:ext cx="0" cy="0"/>
+          <a:chOff x="0" y="0"/>
+          <a:chExt cx="0" cy="0"/>
+        </a:xfrm>
+      </p:grpSpPr>
+      <p:sp>
+        <p:nvSpPr>
+          <p:cNvPr id="2" name="Fluxograma: Atraso 1"/>
+          <p:cNvSpPr/>
+          <p:nvPr/>
+        </p:nvSpPr>
+        <p:spPr>
+          <a:xfrm rot="5400000">
+            <a:off x="5139481" y="-3273000"/>
+            <a:ext cx="1927275" cy="8473275"/>
+          </a:xfrm>
+          <a:prstGeom prst="flowChartDelay">
+            <a:avLst/>
+          </a:prstGeom>
+          <a:solidFill>
+            <a:srgbClr val="3E4072"/>
+          </a:solidFill>
+          <a:ln>
+            <a:solidFill>
+              <a:srgbClr val="3E4072"/>
+            </a:solidFill>
+          </a:ln>
+        </p:spPr>
+        <p:style>
+          <a:lnRef idx="2">
+            <a:schemeClr val="accent1">
+              <a:shade val="50000"/>
+            </a:schemeClr>
+          </a:lnRef>
+          <a:fillRef idx="1">
+            <a:schemeClr val="accent1"/>
+          </a:fillRef>
+          <a:effectRef idx="0">
+            <a:schemeClr val="accent1"/>
+          </a:effectRef>
+          <a:fontRef idx="minor">
+            <a:schemeClr val="lt1"/>
+          </a:fontRef>
+        </p:style>
+        <p:txBody>
+          <a:bodyPr rtlCol="0" anchor="ctr"/>
+          <a:lstStyle/>
+          <a:p>
+            <a:pPr algn="ctr"/>
+            <a:endParaRPr lang="pt-BR"/>
+          </a:p>
+        </p:txBody>
+      </p:sp>
+      <p:sp>
+        <p:nvSpPr>
+          <p:cNvPr id="3" name="Retângulo 2"/>
+          <p:cNvSpPr/>
+          <p:nvPr/>
+        </p:nvSpPr>
+        <p:spPr>
+          <a:xfrm>
+            <a:off x="2321497" y="0"/>
+            <a:ext cx="7563242" cy="1631216"/>
+          </a:xfrm>
+          <a:prstGeom prst="rect">
+            <a:avLst/>
+          </a:prstGeom>
+        </p:spPr>
+        <p:txBody>
+          <a:bodyPr wrap="square">
+            <a:spAutoFit/>
+          </a:bodyPr>
+          <a:lstStyle/>
+          <a:p>
+            <a:pPr algn="ctr"/>
+            <a:r>
+              <a:rPr lang="pt-BR" sz="5000" b="1" dirty="0" smtClean="0">
+                <a:solidFill>
+                  <a:srgbClr val="F0EFEF"/>
+                </a:solidFill>
+                <a:latin typeface="BankGothic Lt BT" panose="020B0607020203060204" pitchFamily="34" charset="0"/>
+              </a:rPr>
+              <a:t>Vantagens e características</a:t>
+            </a:r>
+            <a:endParaRPr lang="pt-BR" sz="5000" b="1" dirty="0">
+              <a:solidFill>
+                <a:srgbClr val="F0EFEF"/>
+              </a:solidFill>
+              <a:latin typeface="BankGothic Lt BT" panose="020B0607020203060204" pitchFamily="34" charset="0"/>
+            </a:endParaRPr>
+          </a:p>
+        </p:txBody>
+      </p:sp>
+      <p:pic>
+        <p:nvPicPr>
+          <p:cNvPr id="1026" name="Picture 2" descr="https://upload.wikimedia.org/wikipedia/commons/thumb/3/3f/V8_JavaScript_engine_logo_2.svg/1200px-V8_JavaScript_engine_logo_2.svg.png"/>
+          <p:cNvPicPr>
+            <a:picLocks noChangeAspect="1" noChangeArrowheads="1"/>
+          </p:cNvPicPr>
+          <p:nvPr/>
+        </p:nvPicPr>
+        <p:blipFill>
+          <a:blip r:embed="rId2" cstate="print">
+            <a:extLst>
+              <a:ext uri="{28A0092B-C50C-407E-A947-70E740481C1C}">
+                <a14:useLocalDpi xmlns:a14="http://schemas.microsoft.com/office/drawing/2010/main" val="0"/>
+              </a:ext>
+            </a:extLst>
+          </a:blip>
+          <a:srcRect/>
+          <a:stretch>
+            <a:fillRect/>
+          </a:stretch>
+        </p:blipFill>
+        <p:spPr bwMode="auto">
+          <a:xfrm>
+            <a:off x="7411249" y="2293035"/>
+            <a:ext cx="3953022" cy="3953022"/>
+          </a:xfrm>
+          <a:prstGeom prst="rect">
+            <a:avLst/>
+          </a:prstGeom>
+          <a:noFill/>
+          <a:extLst>
+            <a:ext uri="{909E8E84-426E-40DD-AFC4-6F175D3DCCD1}">
+              <a14:hiddenFill xmlns:a14="http://schemas.microsoft.com/office/drawing/2010/main">
+                <a:solidFill>
+                  <a:srgbClr val="FFFFFF"/>
+                </a:solidFill>
+              </a14:hiddenFill>
+            </a:ext>
+          </a:extLst>
+        </p:spPr>
+      </p:pic>
+      <p:sp>
+        <p:nvSpPr>
+          <p:cNvPr id="4" name="CaixaDeTexto 3"/>
+          <p:cNvSpPr txBox="1"/>
+          <p:nvPr/>
+        </p:nvSpPr>
+        <p:spPr>
+          <a:xfrm>
+            <a:off x="984739" y="2887053"/>
+            <a:ext cx="4688719" cy="523220"/>
+          </a:xfrm>
+          <a:prstGeom prst="rect">
+            <a:avLst/>
+          </a:prstGeom>
+          <a:noFill/>
+        </p:spPr>
+        <p:txBody>
+          <a:bodyPr wrap="none" rtlCol="0">
+            <a:spAutoFit/>
+          </a:bodyPr>
+          <a:lstStyle/>
+          <a:p>
+            <a:r>
+              <a:rPr lang="pt-BR" sz="2800" dirty="0" smtClean="0">
+                <a:solidFill>
+                  <a:srgbClr val="3E4072"/>
+                </a:solidFill>
+                <a:latin typeface="Arial Black" panose="020B0A04020102020204" pitchFamily="34" charset="0"/>
+              </a:rPr>
+              <a:t>- </a:t>
+            </a:r>
+            <a:r>
+              <a:rPr lang="pt-BR" sz="2800" dirty="0">
+                <a:solidFill>
+                  <a:srgbClr val="3E4072"/>
+                </a:solidFill>
+                <a:latin typeface="Arial Black" panose="020B0A04020102020204" pitchFamily="34" charset="0"/>
+              </a:rPr>
+              <a:t>Ambiente assíncrono</a:t>
+            </a:r>
+            <a:r>
+              <a:rPr lang="pt-BR" sz="2800" dirty="0" smtClean="0">
+                <a:solidFill>
+                  <a:srgbClr val="3E4072"/>
+                </a:solidFill>
+                <a:latin typeface="Arial Black" panose="020B0A04020102020204" pitchFamily="34" charset="0"/>
+              </a:rPr>
+              <a:t>.</a:t>
+            </a:r>
+            <a:endParaRPr lang="pt-BR" sz="2800" dirty="0">
+              <a:solidFill>
+                <a:srgbClr val="3E4072"/>
+              </a:solidFill>
+              <a:latin typeface="Arial Black" panose="020B0A04020102020204" pitchFamily="34" charset="0"/>
+            </a:endParaRPr>
+          </a:p>
+        </p:txBody>
+      </p:sp>
+      <p:sp>
+        <p:nvSpPr>
+          <p:cNvPr id="5" name="CaixaDeTexto 4"/>
+          <p:cNvSpPr txBox="1"/>
+          <p:nvPr/>
+        </p:nvSpPr>
+        <p:spPr>
+          <a:xfrm>
+            <a:off x="984739" y="4370051"/>
+            <a:ext cx="5779397" cy="954107"/>
+          </a:xfrm>
+          <a:prstGeom prst="rect">
+            <a:avLst/>
+          </a:prstGeom>
+          <a:noFill/>
+        </p:spPr>
+        <p:txBody>
+          <a:bodyPr wrap="square" rtlCol="0">
+            <a:spAutoFit/>
+          </a:bodyPr>
+          <a:lstStyle/>
+          <a:p>
+            <a:r>
+              <a:rPr lang="pt-BR" sz="2800" dirty="0" smtClean="0">
+                <a:solidFill>
+                  <a:srgbClr val="3E4072"/>
+                </a:solidFill>
+                <a:latin typeface="Arial Black" panose="020B0A04020102020204" pitchFamily="34" charset="0"/>
+              </a:rPr>
+              <a:t>- </a:t>
+            </a:r>
+            <a:r>
+              <a:rPr lang="pt-BR" sz="2800" dirty="0">
+                <a:solidFill>
+                  <a:srgbClr val="3E4072"/>
+                </a:solidFill>
+                <a:latin typeface="Arial Black" panose="020B0A04020102020204" pitchFamily="34" charset="0"/>
+              </a:rPr>
+              <a:t>Baseado no poderoso motor V8 da Google.</a:t>
+            </a:r>
+            <a:endParaRPr lang="pt-BR" sz="2800" dirty="0">
+              <a:solidFill>
+                <a:srgbClr val="3E4072"/>
+              </a:solidFill>
+              <a:latin typeface="Arial Black" panose="020B0A04020102020204" pitchFamily="34" charset="0"/>
+            </a:endParaRPr>
+          </a:p>
+        </p:txBody>
+      </p:sp>
+    </p:spTree>
+    <p:extLst>
+      <p:ext uri="{BB962C8B-B14F-4D97-AF65-F5344CB8AC3E}">
+        <p14:creationId xmlns:p14="http://schemas.microsoft.com/office/powerpoint/2010/main" val="2572063837"/>
+      </p:ext>
+    </p:extLst>
+  </p:cSld>
+  <p:clrMapOvr>
+    <a:masterClrMapping/>
+  </p:clrMapOvr>
+  <p:timing>
+    <p:tnLst>
+      <p:par>
+        <p:cTn id="1" dur="indefinite" restart="never" nodeType="tmRoot"/>
+      </p:par>
+    </p:tnLst>
+  </p:timing>
+</p:sld>
+</file>
+
+<file path=ppt/slides/slide5.xml><?xml version="1.0" encoding="utf-8"?>
+<p:sld xmlns:a="http://schemas.openxmlformats.org/drawingml/2006/main" xmlns:r="http://schemas.openxmlformats.org/officeDocument/2006/relationships" xmlns:p="http://schemas.openxmlformats.org/presentationml/2006/main">
+  <p:cSld>
+    <p:bg>
+      <p:bgPr>
+        <a:solidFill>
+          <a:srgbClr val="F0EFEF"/>
+        </a:solidFill>
+        <a:effectLst/>
+      </p:bgPr>
+    </p:bg>
+    <p:spTree>
+      <p:nvGrpSpPr>
+        <p:cNvPr id="1" name=""/>
+        <p:cNvGrpSpPr/>
+        <p:nvPr/>
+      </p:nvGrpSpPr>
+      <p:grpSpPr>
+        <a:xfrm>
+          <a:off x="0" y="0"/>
+          <a:ext cx="0" cy="0"/>
+          <a:chOff x="0" y="0"/>
+          <a:chExt cx="0" cy="0"/>
+        </a:xfrm>
+      </p:grpSpPr>
+      <p:sp>
+        <p:nvSpPr>
+          <p:cNvPr id="6" name="Forma Livre 5"/>
+          <p:cNvSpPr/>
+          <p:nvPr/>
+        </p:nvSpPr>
+        <p:spPr>
+          <a:xfrm>
+            <a:off x="3526276" y="-632758"/>
+            <a:ext cx="9468210" cy="7811359"/>
+          </a:xfrm>
+          <a:custGeom>
+            <a:avLst/>
+            <a:gdLst>
+              <a:gd name="connsiteX0" fmla="*/ 595558 w 9468210"/>
+              <a:gd name="connsiteY0" fmla="*/ 534284 h 7811359"/>
+              <a:gd name="connsiteX1" fmla="*/ 933182 w 9468210"/>
+              <a:gd name="connsiteY1" fmla="*/ 520216 h 7811359"/>
+              <a:gd name="connsiteX2" fmla="*/ 3169946 w 9468210"/>
+              <a:gd name="connsiteY2" fmla="*/ 1828512 h 7811359"/>
+              <a:gd name="connsiteX3" fmla="*/ 3254352 w 9468210"/>
+              <a:gd name="connsiteY3" fmla="*/ 3783921 h 7811359"/>
+              <a:gd name="connsiteX4" fmla="*/ 6841613 w 9468210"/>
+              <a:gd name="connsiteY4" fmla="*/ 4796795 h 7811359"/>
+              <a:gd name="connsiteX5" fmla="*/ 7685675 w 9468210"/>
+              <a:gd name="connsiteY5" fmla="*/ 7230506 h 7811359"/>
+              <a:gd name="connsiteX6" fmla="*/ 8782955 w 9468210"/>
+              <a:gd name="connsiteY6" fmla="*/ 7765078 h 7811359"/>
+              <a:gd name="connsiteX7" fmla="*/ 8825158 w 9468210"/>
+              <a:gd name="connsiteY7" fmla="*/ 6386444 h 7811359"/>
+              <a:gd name="connsiteX8" fmla="*/ 8867361 w 9468210"/>
+              <a:gd name="connsiteY8" fmla="*/ 407675 h 7811359"/>
+              <a:gd name="connsiteX9" fmla="*/ 595558 w 9468210"/>
+              <a:gd name="connsiteY9" fmla="*/ 534284 h 7811359"/>
+            </a:gdLst>
+            <a:ahLst/>
+            <a:cxnLst>
+              <a:cxn ang="0">
+                <a:pos x="connsiteX0" y="connsiteY0"/>
+              </a:cxn>
+              <a:cxn ang="0">
+                <a:pos x="connsiteX1" y="connsiteY1"/>
+              </a:cxn>
+              <a:cxn ang="0">
+                <a:pos x="connsiteX2" y="connsiteY2"/>
+              </a:cxn>
+              <a:cxn ang="0">
+                <a:pos x="connsiteX3" y="connsiteY3"/>
+              </a:cxn>
+              <a:cxn ang="0">
+                <a:pos x="connsiteX4" y="connsiteY4"/>
+              </a:cxn>
+              <a:cxn ang="0">
+                <a:pos x="connsiteX5" y="connsiteY5"/>
+              </a:cxn>
+              <a:cxn ang="0">
+                <a:pos x="connsiteX6" y="connsiteY6"/>
+              </a:cxn>
+              <a:cxn ang="0">
+                <a:pos x="connsiteX7" y="connsiteY7"/>
+              </a:cxn>
+              <a:cxn ang="0">
+                <a:pos x="connsiteX8" y="connsiteY8"/>
+              </a:cxn>
+              <a:cxn ang="0">
+                <a:pos x="connsiteX9" y="connsiteY9"/>
+              </a:cxn>
+            </a:cxnLst>
+            <a:rect l="l" t="t" r="r" b="b"/>
+            <a:pathLst>
+              <a:path w="9468210" h="7811359">
+                <a:moveTo>
+                  <a:pt x="595558" y="534284"/>
+                </a:moveTo>
+                <a:cubicBezTo>
+                  <a:pt x="-726805" y="553041"/>
+                  <a:pt x="504117" y="304511"/>
+                  <a:pt x="933182" y="520216"/>
+                </a:cubicBezTo>
+                <a:cubicBezTo>
+                  <a:pt x="1362247" y="735921"/>
+                  <a:pt x="2783084" y="1284561"/>
+                  <a:pt x="3169946" y="1828512"/>
+                </a:cubicBezTo>
+                <a:cubicBezTo>
+                  <a:pt x="3556808" y="2372463"/>
+                  <a:pt x="2642408" y="3289207"/>
+                  <a:pt x="3254352" y="3783921"/>
+                </a:cubicBezTo>
+                <a:cubicBezTo>
+                  <a:pt x="3866296" y="4278635"/>
+                  <a:pt x="6103059" y="4222364"/>
+                  <a:pt x="6841613" y="4796795"/>
+                </a:cubicBezTo>
+                <a:cubicBezTo>
+                  <a:pt x="7580167" y="5371226"/>
+                  <a:pt x="7362118" y="6735792"/>
+                  <a:pt x="7685675" y="7230506"/>
+                </a:cubicBezTo>
+                <a:cubicBezTo>
+                  <a:pt x="8009232" y="7725220"/>
+                  <a:pt x="8593041" y="7905755"/>
+                  <a:pt x="8782955" y="7765078"/>
+                </a:cubicBezTo>
+                <a:cubicBezTo>
+                  <a:pt x="8972869" y="7624401"/>
+                  <a:pt x="8811090" y="7612678"/>
+                  <a:pt x="8825158" y="6386444"/>
+                </a:cubicBezTo>
+                <a:cubicBezTo>
+                  <a:pt x="8839226" y="5160210"/>
+                  <a:pt x="10236616" y="1385380"/>
+                  <a:pt x="8867361" y="407675"/>
+                </a:cubicBezTo>
+                <a:cubicBezTo>
+                  <a:pt x="7498106" y="-570030"/>
+                  <a:pt x="1917921" y="515527"/>
+                  <a:pt x="595558" y="534284"/>
+                </a:cubicBezTo>
+                <a:close/>
+              </a:path>
+            </a:pathLst>
+          </a:custGeom>
+          <a:solidFill>
+            <a:srgbClr val="3E4072"/>
+          </a:solidFill>
+          <a:ln>
+            <a:solidFill>
+              <a:srgbClr val="3E4072"/>
+            </a:solidFill>
+          </a:ln>
+        </p:spPr>
+        <p:style>
+          <a:lnRef idx="2">
+            <a:schemeClr val="accent1">
+              <a:shade val="50000"/>
+            </a:schemeClr>
+          </a:lnRef>
+          <a:fillRef idx="1">
+            <a:schemeClr val="accent1"/>
+          </a:fillRef>
+          <a:effectRef idx="0">
+            <a:schemeClr val="accent1"/>
+          </a:effectRef>
+          <a:fontRef idx="minor">
+            <a:schemeClr val="lt1"/>
+          </a:fontRef>
+        </p:style>
+        <p:txBody>
+          <a:bodyPr rtlCol="0" anchor="ctr"/>
+          <a:lstStyle/>
+          <a:p>
+            <a:pPr algn="ctr"/>
+            <a:endParaRPr lang="pt-BR" dirty="0"/>
+          </a:p>
+        </p:txBody>
+      </p:sp>
+    </p:spTree>
+    <p:extLst>
+      <p:ext uri="{BB962C8B-B14F-4D97-AF65-F5344CB8AC3E}">
+        <p14:creationId xmlns:p14="http://schemas.microsoft.com/office/powerpoint/2010/main" val="1352600893"/>
+      </p:ext>
+    </p:extLst>
+  </p:cSld>
+  <p:clrMapOvr>
+    <a:masterClrMapping/>
+  </p:clrMapOvr>
+  <p:timing>
+    <p:tnLst>
+      <p:par>
+        <p:cTn id="1" dur="indefinite" restart="never" nodeType="tmRoot"/>
+      </p:par>
+    </p:tnLst>
+  </p:timing>
 </p:sld>
 </file>
 

--- a/NODE.pptx
+++ b/NODE.pptx
@@ -10,6 +10,8 @@
     <p:sldId id="258" r:id="rId4"/>
     <p:sldId id="259" r:id="rId5"/>
     <p:sldId id="260" r:id="rId6"/>
+    <p:sldId id="261" r:id="rId7"/>
+    <p:sldId id="262" r:id="rId8"/>
   </p:sldIdLst>
   <p:sldSz cx="12192000" cy="6858000"/>
   <p:notesSz cx="6858000" cy="9144000"/>
@@ -4154,12 +4156,6 @@
               </a:rPr>
               <a:t>Baseado no poderoso motor V8 da Google.</a:t>
             </a:r>
-            <a:endParaRPr lang="pt-BR" sz="2800" dirty="0">
-              <a:solidFill>
-                <a:srgbClr val="3E4072"/>
-              </a:solidFill>
-              <a:latin typeface="Arial Black" panose="020B0A04020102020204" pitchFamily="34" charset="0"/>
-            </a:endParaRPr>
           </a:p>
         </p:txBody>
       </p:sp>
@@ -4365,6 +4361,194 @@
           </a:p>
         </p:txBody>
       </p:sp>
+      <p:sp>
+        <p:nvSpPr>
+          <p:cNvPr id="2" name="CaixaDeTexto 1"/>
+          <p:cNvSpPr txBox="1"/>
+          <p:nvPr/>
+        </p:nvSpPr>
+        <p:spPr>
+          <a:xfrm>
+            <a:off x="6844937" y="705393"/>
+            <a:ext cx="4821453" cy="1938992"/>
+          </a:xfrm>
+          <a:prstGeom prst="rect">
+            <a:avLst/>
+          </a:prstGeom>
+          <a:noFill/>
+        </p:spPr>
+        <p:txBody>
+          <a:bodyPr wrap="square" rtlCol="0">
+            <a:spAutoFit/>
+          </a:bodyPr>
+          <a:lstStyle/>
+          <a:p>
+            <a:pPr algn="r"/>
+            <a:r>
+              <a:rPr lang="pt-BR" sz="6000" b="1" dirty="0" smtClean="0">
+                <a:solidFill>
+                  <a:srgbClr val="F0EFEF"/>
+                </a:solidFill>
+                <a:latin typeface="BankGothic Lt BT" panose="020B0607020203060204" pitchFamily="34" charset="0"/>
+              </a:rPr>
+              <a:t>Outras</a:t>
+            </a:r>
+            <a:r>
+              <a:rPr lang="pt-BR" sz="6000" b="1" dirty="0" smtClean="0">
+                <a:solidFill>
+                  <a:srgbClr val="F0EFEF"/>
+                </a:solidFill>
+                <a:latin typeface="BankGothic Md BT" panose="020B0807020203060204" pitchFamily="34" charset="0"/>
+              </a:rPr>
+              <a:t> vantagens</a:t>
+            </a:r>
+            <a:endParaRPr lang="pt-BR" sz="6000" b="1" dirty="0">
+              <a:solidFill>
+                <a:srgbClr val="F0EFEF"/>
+              </a:solidFill>
+              <a:latin typeface="BankGothic Md BT" panose="020B0807020203060204" pitchFamily="34" charset="0"/>
+            </a:endParaRPr>
+          </a:p>
+        </p:txBody>
+      </p:sp>
+      <p:sp>
+        <p:nvSpPr>
+          <p:cNvPr id="3" name="CaixaDeTexto 2"/>
+          <p:cNvSpPr txBox="1"/>
+          <p:nvPr/>
+        </p:nvSpPr>
+        <p:spPr>
+          <a:xfrm>
+            <a:off x="992777" y="1802675"/>
+            <a:ext cx="3299621" cy="523220"/>
+          </a:xfrm>
+          <a:prstGeom prst="rect">
+            <a:avLst/>
+          </a:prstGeom>
+          <a:noFill/>
+        </p:spPr>
+        <p:txBody>
+          <a:bodyPr wrap="none" rtlCol="0">
+            <a:spAutoFit/>
+          </a:bodyPr>
+          <a:lstStyle/>
+          <a:p>
+            <a:r>
+              <a:rPr lang="pt-BR" sz="2800" dirty="0" smtClean="0">
+                <a:solidFill>
+                  <a:srgbClr val="3E4072"/>
+                </a:solidFill>
+                <a:latin typeface="Arial Black" panose="020B0A04020102020204" pitchFamily="34" charset="0"/>
+              </a:rPr>
+              <a:t>- Escalabilidade</a:t>
+            </a:r>
+            <a:endParaRPr lang="pt-BR" sz="2800" dirty="0">
+              <a:solidFill>
+                <a:srgbClr val="3E4072"/>
+              </a:solidFill>
+              <a:latin typeface="Arial Black" panose="020B0A04020102020204" pitchFamily="34" charset="0"/>
+            </a:endParaRPr>
+          </a:p>
+        </p:txBody>
+      </p:sp>
+      <p:sp>
+        <p:nvSpPr>
+          <p:cNvPr id="5" name="CaixaDeTexto 4"/>
+          <p:cNvSpPr txBox="1"/>
+          <p:nvPr/>
+        </p:nvSpPr>
+        <p:spPr>
+          <a:xfrm>
+            <a:off x="1889759" y="3496005"/>
+            <a:ext cx="3537315" cy="523220"/>
+          </a:xfrm>
+          <a:prstGeom prst="rect">
+            <a:avLst/>
+          </a:prstGeom>
+          <a:noFill/>
+        </p:spPr>
+        <p:txBody>
+          <a:bodyPr wrap="none" rtlCol="0">
+            <a:spAutoFit/>
+          </a:bodyPr>
+          <a:lstStyle/>
+          <a:p>
+            <a:r>
+              <a:rPr lang="pt-BR" sz="2800" dirty="0" smtClean="0">
+                <a:solidFill>
+                  <a:srgbClr val="3E4072"/>
+                </a:solidFill>
+                <a:latin typeface="Arial Black" panose="020B0A04020102020204" pitchFamily="34" charset="0"/>
+              </a:rPr>
+              <a:t>- </a:t>
+            </a:r>
+            <a:r>
+              <a:rPr lang="pt-BR" sz="2800" dirty="0" err="1" smtClean="0">
+                <a:solidFill>
+                  <a:srgbClr val="3E4072"/>
+                </a:solidFill>
+                <a:latin typeface="Arial Black" panose="020B0A04020102020204" pitchFamily="34" charset="0"/>
+              </a:rPr>
+              <a:t>Multiplataforma</a:t>
+            </a:r>
+            <a:endParaRPr lang="pt-BR" sz="2800" dirty="0">
+              <a:solidFill>
+                <a:srgbClr val="3E4072"/>
+              </a:solidFill>
+              <a:latin typeface="Arial Black" panose="020B0A04020102020204" pitchFamily="34" charset="0"/>
+            </a:endParaRPr>
+          </a:p>
+        </p:txBody>
+      </p:sp>
+      <p:sp>
+        <p:nvSpPr>
+          <p:cNvPr id="7" name="CaixaDeTexto 6"/>
+          <p:cNvSpPr txBox="1"/>
+          <p:nvPr/>
+        </p:nvSpPr>
+        <p:spPr>
+          <a:xfrm>
+            <a:off x="3360034" y="5225761"/>
+            <a:ext cx="3598806" cy="523220"/>
+          </a:xfrm>
+          <a:prstGeom prst="rect">
+            <a:avLst/>
+          </a:prstGeom>
+          <a:noFill/>
+        </p:spPr>
+        <p:txBody>
+          <a:bodyPr wrap="none" rtlCol="0">
+            <a:spAutoFit/>
+          </a:bodyPr>
+          <a:lstStyle/>
+          <a:p>
+            <a:r>
+              <a:rPr lang="pt-BR" sz="2800" dirty="0" smtClean="0">
+                <a:solidFill>
+                  <a:srgbClr val="3E4072"/>
+                </a:solidFill>
+                <a:latin typeface="Arial Black" panose="020B0A04020102020204" pitchFamily="34" charset="0"/>
+              </a:rPr>
+              <a:t>- </a:t>
+            </a:r>
+            <a:r>
+              <a:rPr lang="pt-BR" sz="2800" dirty="0" err="1" smtClean="0">
+                <a:solidFill>
+                  <a:srgbClr val="3E4072"/>
+                </a:solidFill>
+                <a:latin typeface="Arial Black" panose="020B0A04020102020204" pitchFamily="34" charset="0"/>
+              </a:rPr>
+              <a:t>Multi-paradigma</a:t>
+            </a:r>
+            <a:endParaRPr lang="pt-BR" sz="2800" dirty="0">
+              <a:solidFill>
+                <a:srgbClr val="3E4072"/>
+              </a:solidFill>
+              <a:latin typeface="Arial Black" panose="020B0A04020102020204" pitchFamily="34" charset="0"/>
+            </a:endParaRPr>
+          </a:p>
+        </p:txBody>
+      </p:sp>
     </p:spTree>
     <p:extLst>
       <p:ext uri="{BB962C8B-B14F-4D97-AF65-F5344CB8AC3E}">
@@ -4382,6 +4566,490 @@
       </p:par>
     </p:tnLst>
   </p:timing>
+</p:sld>
+</file>
+
+<file path=ppt/slides/slide6.xml><?xml version="1.0" encoding="utf-8"?>
+<p:sld xmlns:a="http://schemas.openxmlformats.org/drawingml/2006/main" xmlns:r="http://schemas.openxmlformats.org/officeDocument/2006/relationships" xmlns:p="http://schemas.openxmlformats.org/presentationml/2006/main">
+  <p:cSld>
+    <p:bg>
+      <p:bgPr>
+        <a:solidFill>
+          <a:srgbClr val="F0EFEF"/>
+        </a:solidFill>
+        <a:effectLst/>
+      </p:bgPr>
+    </p:bg>
+    <p:spTree>
+      <p:nvGrpSpPr>
+        <p:cNvPr id="1" name=""/>
+        <p:cNvGrpSpPr/>
+        <p:nvPr/>
+      </p:nvGrpSpPr>
+      <p:grpSpPr>
+        <a:xfrm>
+          <a:off x="0" y="0"/>
+          <a:ext cx="0" cy="0"/>
+          <a:chOff x="0" y="0"/>
+          <a:chExt cx="0" cy="0"/>
+        </a:xfrm>
+      </p:grpSpPr>
+      <p:sp>
+        <p:nvSpPr>
+          <p:cNvPr id="3" name="Retângulo 2"/>
+          <p:cNvSpPr/>
+          <p:nvPr/>
+        </p:nvSpPr>
+        <p:spPr>
+          <a:xfrm>
+            <a:off x="0" y="0"/>
+            <a:ext cx="6382870" cy="6858000"/>
+          </a:xfrm>
+          <a:prstGeom prst="rect">
+            <a:avLst/>
+          </a:prstGeom>
+          <a:solidFill>
+            <a:srgbClr val="3E4072"/>
+          </a:solidFill>
+          <a:ln>
+            <a:solidFill>
+              <a:srgbClr val="3E4072"/>
+            </a:solidFill>
+          </a:ln>
+        </p:spPr>
+        <p:style>
+          <a:lnRef idx="2">
+            <a:schemeClr val="accent1">
+              <a:shade val="50000"/>
+            </a:schemeClr>
+          </a:lnRef>
+          <a:fillRef idx="1">
+            <a:schemeClr val="accent1"/>
+          </a:fillRef>
+          <a:effectRef idx="0">
+            <a:schemeClr val="accent1"/>
+          </a:effectRef>
+          <a:fontRef idx="minor">
+            <a:schemeClr val="lt1"/>
+          </a:fontRef>
+        </p:style>
+        <p:txBody>
+          <a:bodyPr rtlCol="0" anchor="ctr"/>
+          <a:lstStyle/>
+          <a:p>
+            <a:pPr algn="ctr"/>
+            <a:endParaRPr lang="pt-BR" dirty="0"/>
+          </a:p>
+        </p:txBody>
+      </p:sp>
+      <p:sp>
+        <p:nvSpPr>
+          <p:cNvPr id="4" name="CaixaDeTexto 3"/>
+          <p:cNvSpPr txBox="1"/>
+          <p:nvPr/>
+        </p:nvSpPr>
+        <p:spPr>
+          <a:xfrm>
+            <a:off x="370863" y="0"/>
+            <a:ext cx="5641144" cy="1938992"/>
+          </a:xfrm>
+          <a:prstGeom prst="rect">
+            <a:avLst/>
+          </a:prstGeom>
+          <a:noFill/>
+        </p:spPr>
+        <p:txBody>
+          <a:bodyPr wrap="square" rtlCol="0">
+            <a:spAutoFit/>
+          </a:bodyPr>
+          <a:lstStyle/>
+          <a:p>
+            <a:pPr algn="ctr"/>
+            <a:r>
+              <a:rPr lang="pt-BR" sz="6000" b="1" dirty="0" smtClean="0">
+                <a:solidFill>
+                  <a:srgbClr val="F0EFEF"/>
+                </a:solidFill>
+                <a:latin typeface="BankGothic Lt BT" panose="020B0607020203060204" pitchFamily="34" charset="0"/>
+              </a:rPr>
+              <a:t>Módulos e </a:t>
+            </a:r>
+            <a:r>
+              <a:rPr lang="pt-BR" sz="6000" b="1" dirty="0" err="1" smtClean="0">
+                <a:solidFill>
+                  <a:srgbClr val="F0EFEF"/>
+                </a:solidFill>
+                <a:latin typeface="BankGothic Lt BT" panose="020B0607020203060204" pitchFamily="34" charset="0"/>
+              </a:rPr>
+              <a:t>npm</a:t>
+            </a:r>
+            <a:endParaRPr lang="pt-BR" sz="6000" b="1" dirty="0">
+              <a:solidFill>
+                <a:srgbClr val="F0EFEF"/>
+              </a:solidFill>
+              <a:latin typeface="BankGothic Lt BT" panose="020B0607020203060204" pitchFamily="34" charset="0"/>
+            </a:endParaRPr>
+          </a:p>
+        </p:txBody>
+      </p:sp>
+      <p:sp>
+        <p:nvSpPr>
+          <p:cNvPr id="5" name="CaixaDeTexto 4"/>
+          <p:cNvSpPr txBox="1"/>
+          <p:nvPr/>
+        </p:nvSpPr>
+        <p:spPr>
+          <a:xfrm>
+            <a:off x="370863" y="2248991"/>
+            <a:ext cx="5671624" cy="707886"/>
+          </a:xfrm>
+          <a:prstGeom prst="rect">
+            <a:avLst/>
+          </a:prstGeom>
+          <a:noFill/>
+        </p:spPr>
+        <p:txBody>
+          <a:bodyPr wrap="square" rtlCol="0">
+            <a:spAutoFit/>
+          </a:bodyPr>
+          <a:lstStyle/>
+          <a:p>
+            <a:pPr fontAlgn="base"/>
+            <a:r>
+              <a:rPr lang="pt-BR" sz="2000" dirty="0" smtClean="0">
+                <a:solidFill>
+                  <a:srgbClr val="F0EFEF"/>
+                </a:solidFill>
+                <a:latin typeface="Arial Black" panose="020B0A04020102020204" pitchFamily="34" charset="0"/>
+              </a:rPr>
+              <a:t>- Gerenciamento </a:t>
+            </a:r>
+            <a:r>
+              <a:rPr lang="pt-BR" sz="2000" dirty="0">
+                <a:solidFill>
+                  <a:srgbClr val="F0EFEF"/>
+                </a:solidFill>
+                <a:latin typeface="Arial Black" panose="020B0A04020102020204" pitchFamily="34" charset="0"/>
+              </a:rPr>
+              <a:t>de dependências e compartilhamento de módulos.</a:t>
+            </a:r>
+          </a:p>
+        </p:txBody>
+      </p:sp>
+      <p:sp>
+        <p:nvSpPr>
+          <p:cNvPr id="7" name="CaixaDeTexto 6"/>
+          <p:cNvSpPr txBox="1"/>
+          <p:nvPr/>
+        </p:nvSpPr>
+        <p:spPr>
+          <a:xfrm>
+            <a:off x="370864" y="3358849"/>
+            <a:ext cx="5523500" cy="707886"/>
+          </a:xfrm>
+          <a:prstGeom prst="rect">
+            <a:avLst/>
+          </a:prstGeom>
+          <a:noFill/>
+        </p:spPr>
+        <p:txBody>
+          <a:bodyPr wrap="square" rtlCol="0">
+            <a:spAutoFit/>
+          </a:bodyPr>
+          <a:lstStyle/>
+          <a:p>
+            <a:r>
+              <a:rPr lang="pt-BR" sz="2000" dirty="0" smtClean="0">
+                <a:solidFill>
+                  <a:srgbClr val="F0EFEF"/>
+                </a:solidFill>
+                <a:latin typeface="Arial Black" panose="020B0A04020102020204" pitchFamily="34" charset="0"/>
+              </a:rPr>
+              <a:t>- Facilita </a:t>
+            </a:r>
+            <a:r>
+              <a:rPr lang="pt-BR" sz="2000" dirty="0">
+                <a:solidFill>
+                  <a:srgbClr val="F0EFEF"/>
+                </a:solidFill>
+                <a:latin typeface="Arial Black" panose="020B0A04020102020204" pitchFamily="34" charset="0"/>
+              </a:rPr>
+              <a:t>a reutilização de bibliotecas e frameworks</a:t>
+            </a:r>
+            <a:r>
+              <a:rPr lang="pt-BR" sz="2000" dirty="0" smtClean="0">
+                <a:solidFill>
+                  <a:srgbClr val="F0EFEF"/>
+                </a:solidFill>
+                <a:latin typeface="Arial Black" panose="020B0A04020102020204" pitchFamily="34" charset="0"/>
+              </a:rPr>
+              <a:t>.</a:t>
+            </a:r>
+            <a:endParaRPr lang="pt-BR" sz="2000" dirty="0">
+              <a:solidFill>
+                <a:srgbClr val="F0EFEF"/>
+              </a:solidFill>
+              <a:latin typeface="Arial Black" panose="020B0A04020102020204" pitchFamily="34" charset="0"/>
+            </a:endParaRPr>
+          </a:p>
+        </p:txBody>
+      </p:sp>
+      <p:sp>
+        <p:nvSpPr>
+          <p:cNvPr id="8" name="CaixaDeTexto 7"/>
+          <p:cNvSpPr txBox="1"/>
+          <p:nvPr/>
+        </p:nvSpPr>
+        <p:spPr>
+          <a:xfrm>
+            <a:off x="370863" y="4463168"/>
+            <a:ext cx="5418404" cy="707886"/>
+          </a:xfrm>
+          <a:prstGeom prst="rect">
+            <a:avLst/>
+          </a:prstGeom>
+          <a:noFill/>
+        </p:spPr>
+        <p:txBody>
+          <a:bodyPr wrap="square" rtlCol="0">
+            <a:spAutoFit/>
+          </a:bodyPr>
+          <a:lstStyle/>
+          <a:p>
+            <a:r>
+              <a:rPr lang="pt-BR" sz="2000" dirty="0" smtClean="0">
+                <a:solidFill>
+                  <a:srgbClr val="F0EFEF"/>
+                </a:solidFill>
+                <a:latin typeface="Arial Black" panose="020B0A04020102020204" pitchFamily="34" charset="0"/>
+              </a:rPr>
+              <a:t>- Repositório </a:t>
+            </a:r>
+            <a:r>
+              <a:rPr lang="pt-BR" sz="2000" dirty="0">
+                <a:solidFill>
+                  <a:srgbClr val="F0EFEF"/>
+                </a:solidFill>
+                <a:latin typeface="Arial Black" panose="020B0A04020102020204" pitchFamily="34" charset="0"/>
+              </a:rPr>
+              <a:t>online para a publicação de </a:t>
+            </a:r>
+            <a:r>
+              <a:rPr lang="pt-BR" sz="2000" dirty="0" smtClean="0">
+                <a:solidFill>
+                  <a:srgbClr val="F0EFEF"/>
+                </a:solidFill>
+                <a:latin typeface="Arial Black" panose="020B0A04020102020204" pitchFamily="34" charset="0"/>
+              </a:rPr>
+              <a:t>projetos.</a:t>
+            </a:r>
+            <a:endParaRPr lang="pt-BR" sz="2000" dirty="0">
+              <a:solidFill>
+                <a:srgbClr val="F0EFEF"/>
+              </a:solidFill>
+              <a:latin typeface="Arial Black" panose="020B0A04020102020204" pitchFamily="34" charset="0"/>
+            </a:endParaRPr>
+          </a:p>
+        </p:txBody>
+      </p:sp>
+      <p:sp>
+        <p:nvSpPr>
+          <p:cNvPr id="9" name="CaixaDeTexto 8"/>
+          <p:cNvSpPr txBox="1"/>
+          <p:nvPr/>
+        </p:nvSpPr>
+        <p:spPr>
+          <a:xfrm>
+            <a:off x="370863" y="5573026"/>
+            <a:ext cx="5903328" cy="707886"/>
+          </a:xfrm>
+          <a:prstGeom prst="rect">
+            <a:avLst/>
+          </a:prstGeom>
+          <a:noFill/>
+        </p:spPr>
+        <p:txBody>
+          <a:bodyPr wrap="square" rtlCol="0">
+            <a:spAutoFit/>
+          </a:bodyPr>
+          <a:lstStyle/>
+          <a:p>
+            <a:r>
+              <a:rPr lang="pt-BR" sz="2000" dirty="0" smtClean="0">
+                <a:solidFill>
+                  <a:srgbClr val="F0EFEF"/>
+                </a:solidFill>
+                <a:latin typeface="Arial Black" panose="020B0A04020102020204" pitchFamily="34" charset="0"/>
+              </a:rPr>
+              <a:t>- Utilitário </a:t>
+            </a:r>
+            <a:r>
+              <a:rPr lang="pt-BR" sz="2000" dirty="0">
+                <a:solidFill>
+                  <a:srgbClr val="F0EFEF"/>
+                </a:solidFill>
+                <a:latin typeface="Arial Black" panose="020B0A04020102020204" pitchFamily="34" charset="0"/>
+              </a:rPr>
+              <a:t>de Linha de comando para interagir com o </a:t>
+            </a:r>
+            <a:r>
+              <a:rPr lang="pt-BR" sz="2000" dirty="0" smtClean="0">
+                <a:solidFill>
+                  <a:srgbClr val="F0EFEF"/>
+                </a:solidFill>
+                <a:latin typeface="Arial Black" panose="020B0A04020102020204" pitchFamily="34" charset="0"/>
+              </a:rPr>
+              <a:t>repositório.</a:t>
+            </a:r>
+            <a:endParaRPr lang="pt-BR" sz="2000" dirty="0">
+              <a:solidFill>
+                <a:srgbClr val="F0EFEF"/>
+              </a:solidFill>
+              <a:latin typeface="Arial Black" panose="020B0A04020102020204" pitchFamily="34" charset="0"/>
+            </a:endParaRPr>
+          </a:p>
+        </p:txBody>
+      </p:sp>
+      <p:pic>
+        <p:nvPicPr>
+          <p:cNvPr id="1026" name="Picture 2" descr="https://www.alura.com.br/artigos/assets/node-js/npm-node-package-manager.png"/>
+          <p:cNvPicPr>
+            <a:picLocks noChangeAspect="1" noChangeArrowheads="1"/>
+          </p:cNvPicPr>
+          <p:nvPr/>
+        </p:nvPicPr>
+        <p:blipFill>
+          <a:blip r:embed="rId2">
+            <a:extLst>
+              <a:ext uri="{28A0092B-C50C-407E-A947-70E740481C1C}">
+                <a14:useLocalDpi xmlns:a14="http://schemas.microsoft.com/office/drawing/2010/main" val="0"/>
+              </a:ext>
+            </a:extLst>
+          </a:blip>
+          <a:srcRect/>
+          <a:stretch>
+            <a:fillRect/>
+          </a:stretch>
+        </p:blipFill>
+        <p:spPr bwMode="auto">
+          <a:xfrm>
+            <a:off x="7695857" y="2293856"/>
+            <a:ext cx="3783379" cy="1605738"/>
+          </a:xfrm>
+          <a:prstGeom prst="rect">
+            <a:avLst/>
+          </a:prstGeom>
+          <a:noFill/>
+          <a:extLst>
+            <a:ext uri="{909E8E84-426E-40DD-AFC4-6F175D3DCCD1}">
+              <a14:hiddenFill xmlns:a14="http://schemas.microsoft.com/office/drawing/2010/main">
+                <a:solidFill>
+                  <a:srgbClr val="FFFFFF"/>
+                </a:solidFill>
+              </a14:hiddenFill>
+            </a:ext>
+          </a:extLst>
+        </p:spPr>
+      </p:pic>
+      <p:sp>
+        <p:nvSpPr>
+          <p:cNvPr id="11" name="CaixaDeTexto 10"/>
+          <p:cNvSpPr txBox="1"/>
+          <p:nvPr/>
+        </p:nvSpPr>
+        <p:spPr>
+          <a:xfrm>
+            <a:off x="7362674" y="4066735"/>
+            <a:ext cx="4449744" cy="400110"/>
+          </a:xfrm>
+          <a:prstGeom prst="rect">
+            <a:avLst/>
+          </a:prstGeom>
+          <a:noFill/>
+        </p:spPr>
+        <p:txBody>
+          <a:bodyPr wrap="none" rtlCol="0">
+            <a:spAutoFit/>
+          </a:bodyPr>
+          <a:lstStyle/>
+          <a:p>
+            <a:pPr algn="ctr"/>
+            <a:r>
+              <a:rPr lang="pt-BR" sz="2000" dirty="0" smtClean="0">
+                <a:solidFill>
+                  <a:srgbClr val="3E4072"/>
+                </a:solidFill>
+                <a:latin typeface="Arial Black" panose="020B0A04020102020204" pitchFamily="34" charset="0"/>
+              </a:rPr>
+              <a:t>NPM – Node </a:t>
+            </a:r>
+            <a:r>
+              <a:rPr lang="pt-BR" sz="2000" dirty="0" err="1" smtClean="0">
+                <a:solidFill>
+                  <a:srgbClr val="3E4072"/>
+                </a:solidFill>
+                <a:latin typeface="Arial Black" panose="020B0A04020102020204" pitchFamily="34" charset="0"/>
+              </a:rPr>
+              <a:t>Package</a:t>
+            </a:r>
+            <a:r>
+              <a:rPr lang="pt-BR" sz="2000" dirty="0" smtClean="0">
+                <a:solidFill>
+                  <a:srgbClr val="3E4072"/>
+                </a:solidFill>
+                <a:latin typeface="Arial Black" panose="020B0A04020102020204" pitchFamily="34" charset="0"/>
+              </a:rPr>
+              <a:t> Manager</a:t>
+            </a:r>
+            <a:endParaRPr lang="pt-BR" sz="2000" dirty="0">
+              <a:solidFill>
+                <a:srgbClr val="3E4072"/>
+              </a:solidFill>
+              <a:latin typeface="Arial Black" panose="020B0A04020102020204" pitchFamily="34" charset="0"/>
+            </a:endParaRPr>
+          </a:p>
+        </p:txBody>
+      </p:sp>
+    </p:spTree>
+    <p:extLst>
+      <p:ext uri="{BB962C8B-B14F-4D97-AF65-F5344CB8AC3E}">
+        <p14:creationId xmlns:p14="http://schemas.microsoft.com/office/powerpoint/2010/main" val="1322245814"/>
+      </p:ext>
+    </p:extLst>
+  </p:cSld>
+  <p:clrMapOvr>
+    <a:masterClrMapping/>
+  </p:clrMapOvr>
+</p:sld>
+</file>
+
+<file path=ppt/slides/slide7.xml><?xml version="1.0" encoding="utf-8"?>
+<p:sld xmlns:a="http://schemas.openxmlformats.org/drawingml/2006/main" xmlns:r="http://schemas.openxmlformats.org/officeDocument/2006/relationships" xmlns:p="http://schemas.openxmlformats.org/presentationml/2006/main">
+  <p:cSld>
+    <p:spTree>
+      <p:nvGrpSpPr>
+        <p:cNvPr id="1" name=""/>
+        <p:cNvGrpSpPr/>
+        <p:nvPr/>
+      </p:nvGrpSpPr>
+      <p:grpSpPr>
+        <a:xfrm>
+          <a:off x="0" y="0"/>
+          <a:ext cx="0" cy="0"/>
+          <a:chOff x="0" y="0"/>
+          <a:chExt cx="0" cy="0"/>
+        </a:xfrm>
+      </p:grpSpPr>
+    </p:spTree>
+    <p:extLst>
+      <p:ext uri="{BB962C8B-B14F-4D97-AF65-F5344CB8AC3E}">
+        <p14:creationId xmlns:p14="http://schemas.microsoft.com/office/powerpoint/2010/main" val="422153480"/>
+      </p:ext>
+    </p:extLst>
+  </p:cSld>
+  <p:clrMapOvr>
+    <a:masterClrMapping/>
+  </p:clrMapOvr>
 </p:sld>
 </file>
 

--- a/NODE.pptx
+++ b/NODE.pptx
@@ -5026,6 +5026,14 @@
 <file path=ppt/slides/slide7.xml><?xml version="1.0" encoding="utf-8"?>
 <p:sld xmlns:a="http://schemas.openxmlformats.org/drawingml/2006/main" xmlns:r="http://schemas.openxmlformats.org/officeDocument/2006/relationships" xmlns:p="http://schemas.openxmlformats.org/presentationml/2006/main">
   <p:cSld>
+    <p:bg>
+      <p:bgPr>
+        <a:solidFill>
+          <a:srgbClr val="F0EFEF"/>
+        </a:solidFill>
+        <a:effectLst/>
+      </p:bgPr>
+    </p:bg>
     <p:spTree>
       <p:nvGrpSpPr>
         <p:cNvPr id="1" name=""/>
@@ -5040,6 +5048,340 @@
           <a:chExt cx="0" cy="0"/>
         </a:xfrm>
       </p:grpSpPr>
+      <p:sp>
+        <p:nvSpPr>
+          <p:cNvPr id="3" name="Fluxograma: Terminação 2"/>
+          <p:cNvSpPr/>
+          <p:nvPr/>
+        </p:nvSpPr>
+        <p:spPr>
+          <a:xfrm>
+            <a:off x="3024554" y="239151"/>
+            <a:ext cx="6105378" cy="1617785"/>
+          </a:xfrm>
+          <a:prstGeom prst="flowChartTerminator">
+            <a:avLst/>
+          </a:prstGeom>
+          <a:solidFill>
+            <a:srgbClr val="3E4072"/>
+          </a:solidFill>
+          <a:ln>
+            <a:solidFill>
+              <a:srgbClr val="3E4072"/>
+            </a:solidFill>
+          </a:ln>
+        </p:spPr>
+        <p:style>
+          <a:lnRef idx="2">
+            <a:schemeClr val="accent1">
+              <a:shade val="50000"/>
+            </a:schemeClr>
+          </a:lnRef>
+          <a:fillRef idx="1">
+            <a:schemeClr val="accent1"/>
+          </a:fillRef>
+          <a:effectRef idx="0">
+            <a:schemeClr val="accent1"/>
+          </a:effectRef>
+          <a:fontRef idx="minor">
+            <a:schemeClr val="lt1"/>
+          </a:fontRef>
+        </p:style>
+        <p:txBody>
+          <a:bodyPr rtlCol="0" anchor="ctr"/>
+          <a:lstStyle/>
+          <a:p>
+            <a:pPr algn="ctr"/>
+            <a:endParaRPr lang="pt-BR"/>
+          </a:p>
+        </p:txBody>
+      </p:sp>
+      <p:sp>
+        <p:nvSpPr>
+          <p:cNvPr id="4" name="CaixaDeTexto 3"/>
+          <p:cNvSpPr txBox="1"/>
+          <p:nvPr/>
+        </p:nvSpPr>
+        <p:spPr>
+          <a:xfrm>
+            <a:off x="3711050" y="540211"/>
+            <a:ext cx="4732386" cy="1015663"/>
+          </a:xfrm>
+          <a:prstGeom prst="rect">
+            <a:avLst/>
+          </a:prstGeom>
+          <a:noFill/>
+        </p:spPr>
+        <p:txBody>
+          <a:bodyPr wrap="none" rtlCol="0">
+            <a:spAutoFit/>
+          </a:bodyPr>
+          <a:lstStyle/>
+          <a:p>
+            <a:r>
+              <a:rPr lang="pt-BR" sz="6000" b="1" dirty="0" smtClean="0">
+                <a:solidFill>
+                  <a:srgbClr val="F0EFEF"/>
+                </a:solidFill>
+                <a:latin typeface="BankGothic Lt BT" panose="020B0607020203060204" pitchFamily="34" charset="0"/>
+              </a:rPr>
+              <a:t>Aplicações</a:t>
+            </a:r>
+            <a:endParaRPr lang="pt-BR" sz="6000" b="1" dirty="0">
+              <a:solidFill>
+                <a:srgbClr val="F0EFEF"/>
+              </a:solidFill>
+              <a:latin typeface="BankGothic Lt BT" panose="020B0607020203060204" pitchFamily="34" charset="0"/>
+            </a:endParaRPr>
+          </a:p>
+        </p:txBody>
+      </p:sp>
+      <p:sp>
+        <p:nvSpPr>
+          <p:cNvPr id="5" name="CaixaDeTexto 4"/>
+          <p:cNvSpPr txBox="1"/>
+          <p:nvPr/>
+        </p:nvSpPr>
+        <p:spPr>
+          <a:xfrm>
+            <a:off x="795286" y="2564894"/>
+            <a:ext cx="2190280" cy="523220"/>
+          </a:xfrm>
+          <a:prstGeom prst="rect">
+            <a:avLst/>
+          </a:prstGeom>
+          <a:noFill/>
+        </p:spPr>
+        <p:txBody>
+          <a:bodyPr wrap="none" rtlCol="0">
+            <a:spAutoFit/>
+          </a:bodyPr>
+          <a:lstStyle/>
+          <a:p>
+            <a:r>
+              <a:rPr lang="pt-BR" sz="2800" dirty="0" smtClean="0">
+                <a:solidFill>
+                  <a:srgbClr val="3E4072"/>
+                </a:solidFill>
+                <a:latin typeface="Arial Black" panose="020B0A04020102020204" pitchFamily="34" charset="0"/>
+              </a:rPr>
+              <a:t>- </a:t>
+            </a:r>
+            <a:r>
+              <a:rPr lang="pt-BR" sz="2800" dirty="0" err="1" smtClean="0">
+                <a:solidFill>
+                  <a:srgbClr val="3E4072"/>
+                </a:solidFill>
+                <a:latin typeface="Arial Black" panose="020B0A04020102020204" pitchFamily="34" charset="0"/>
+              </a:rPr>
+              <a:t>Chatbots</a:t>
+            </a:r>
+            <a:endParaRPr lang="pt-BR" sz="2800" dirty="0">
+              <a:solidFill>
+                <a:srgbClr val="3E4072"/>
+              </a:solidFill>
+              <a:latin typeface="Arial Black" panose="020B0A04020102020204" pitchFamily="34" charset="0"/>
+            </a:endParaRPr>
+          </a:p>
+        </p:txBody>
+      </p:sp>
+      <p:sp>
+        <p:nvSpPr>
+          <p:cNvPr id="6" name="CaixaDeTexto 5"/>
+          <p:cNvSpPr txBox="1"/>
+          <p:nvPr/>
+        </p:nvSpPr>
+        <p:spPr>
+          <a:xfrm>
+            <a:off x="795286" y="4319291"/>
+            <a:ext cx="3071738" cy="523220"/>
+          </a:xfrm>
+          <a:prstGeom prst="rect">
+            <a:avLst/>
+          </a:prstGeom>
+          <a:noFill/>
+        </p:spPr>
+        <p:txBody>
+          <a:bodyPr wrap="none" rtlCol="0">
+            <a:spAutoFit/>
+          </a:bodyPr>
+          <a:lstStyle/>
+          <a:p>
+            <a:r>
+              <a:rPr lang="pt-BR" sz="2800" dirty="0" smtClean="0">
+                <a:solidFill>
+                  <a:srgbClr val="3E4072"/>
+                </a:solidFill>
+                <a:latin typeface="Arial Black" panose="020B0A04020102020204" pitchFamily="34" charset="0"/>
+              </a:rPr>
+              <a:t>- </a:t>
+            </a:r>
+            <a:r>
+              <a:rPr lang="pt-BR" sz="2800" dirty="0" smtClean="0">
+                <a:solidFill>
+                  <a:srgbClr val="3E4072"/>
+                </a:solidFill>
+                <a:latin typeface="Arial Black" panose="020B0A04020102020204" pitchFamily="34" charset="0"/>
+              </a:rPr>
+              <a:t>Web </a:t>
+            </a:r>
+            <a:r>
+              <a:rPr lang="pt-BR" sz="2800" dirty="0" err="1" smtClean="0">
+                <a:solidFill>
+                  <a:srgbClr val="3E4072"/>
+                </a:solidFill>
+                <a:latin typeface="Arial Black" panose="020B0A04020102020204" pitchFamily="34" charset="0"/>
+              </a:rPr>
+              <a:t>scraping</a:t>
+            </a:r>
+            <a:endParaRPr lang="pt-BR" sz="2800" dirty="0">
+              <a:solidFill>
+                <a:srgbClr val="3E4072"/>
+              </a:solidFill>
+              <a:latin typeface="Arial Black" panose="020B0A04020102020204" pitchFamily="34" charset="0"/>
+            </a:endParaRPr>
+          </a:p>
+        </p:txBody>
+      </p:sp>
+      <p:sp>
+        <p:nvSpPr>
+          <p:cNvPr id="7" name="CaixaDeTexto 6"/>
+          <p:cNvSpPr txBox="1"/>
+          <p:nvPr/>
+        </p:nvSpPr>
+        <p:spPr>
+          <a:xfrm>
+            <a:off x="4066408" y="3434157"/>
+            <a:ext cx="1063112" cy="523220"/>
+          </a:xfrm>
+          <a:prstGeom prst="rect">
+            <a:avLst/>
+          </a:prstGeom>
+          <a:noFill/>
+        </p:spPr>
+        <p:txBody>
+          <a:bodyPr wrap="none" rtlCol="0">
+            <a:spAutoFit/>
+          </a:bodyPr>
+          <a:lstStyle/>
+          <a:p>
+            <a:r>
+              <a:rPr lang="pt-BR" sz="2800" dirty="0" smtClean="0">
+                <a:solidFill>
+                  <a:srgbClr val="3E4072"/>
+                </a:solidFill>
+                <a:latin typeface="Arial Black" panose="020B0A04020102020204" pitchFamily="34" charset="0"/>
+              </a:rPr>
+              <a:t>- </a:t>
+            </a:r>
+            <a:r>
+              <a:rPr lang="pt-BR" sz="2800" dirty="0" err="1" smtClean="0">
+                <a:solidFill>
+                  <a:srgbClr val="3E4072"/>
+                </a:solidFill>
+                <a:latin typeface="Arial Black" panose="020B0A04020102020204" pitchFamily="34" charset="0"/>
+              </a:rPr>
+              <a:t>IoT</a:t>
+            </a:r>
+            <a:endParaRPr lang="pt-BR" sz="2800" dirty="0">
+              <a:solidFill>
+                <a:srgbClr val="3E4072"/>
+              </a:solidFill>
+              <a:latin typeface="Arial Black" panose="020B0A04020102020204" pitchFamily="34" charset="0"/>
+            </a:endParaRPr>
+          </a:p>
+        </p:txBody>
+      </p:sp>
+      <p:sp>
+        <p:nvSpPr>
+          <p:cNvPr id="8" name="CaixaDeTexto 7"/>
+          <p:cNvSpPr txBox="1"/>
+          <p:nvPr/>
+        </p:nvSpPr>
+        <p:spPr>
+          <a:xfrm>
+            <a:off x="2957433" y="5534599"/>
+            <a:ext cx="3531929" cy="523220"/>
+          </a:xfrm>
+          <a:prstGeom prst="rect">
+            <a:avLst/>
+          </a:prstGeom>
+          <a:noFill/>
+        </p:spPr>
+        <p:txBody>
+          <a:bodyPr wrap="none" rtlCol="0">
+            <a:spAutoFit/>
+          </a:bodyPr>
+          <a:lstStyle/>
+          <a:p>
+            <a:r>
+              <a:rPr lang="pt-BR" sz="2800" dirty="0" smtClean="0">
+                <a:solidFill>
+                  <a:srgbClr val="3E4072"/>
+                </a:solidFill>
+                <a:latin typeface="Arial Black" panose="020B0A04020102020204" pitchFamily="34" charset="0"/>
+              </a:rPr>
+              <a:t>- </a:t>
+            </a:r>
+            <a:r>
+              <a:rPr lang="pt-BR" sz="2800" dirty="0" smtClean="0">
+                <a:solidFill>
+                  <a:srgbClr val="3E4072"/>
+                </a:solidFill>
+                <a:latin typeface="Arial Black" panose="020B0A04020102020204" pitchFamily="34" charset="0"/>
+              </a:rPr>
+              <a:t>Aplicações web</a:t>
+            </a:r>
+            <a:endParaRPr lang="pt-BR" sz="2800" dirty="0">
+              <a:solidFill>
+                <a:srgbClr val="3E4072"/>
+              </a:solidFill>
+              <a:latin typeface="Arial Black" panose="020B0A04020102020204" pitchFamily="34" charset="0"/>
+            </a:endParaRPr>
+          </a:p>
+        </p:txBody>
+      </p:sp>
+      <p:pic>
+        <p:nvPicPr>
+          <p:cNvPr id="1026" name="Picture 2" descr="Chatbot - ícones de comunicações grátis"/>
+          <p:cNvPicPr>
+            <a:picLocks noChangeAspect="1" noChangeArrowheads="1"/>
+          </p:cNvPicPr>
+          <p:nvPr/>
+        </p:nvPicPr>
+        <p:blipFill>
+          <a:blip r:embed="rId2">
+            <a:extLst>
+              <a:ext uri="{28A0092B-C50C-407E-A947-70E740481C1C}">
+                <a14:useLocalDpi xmlns:a14="http://schemas.microsoft.com/office/drawing/2010/main" val="0"/>
+              </a:ext>
+            </a:extLst>
+          </a:blip>
+          <a:srcRect/>
+          <a:stretch>
+            <a:fillRect/>
+          </a:stretch>
+        </p:blipFill>
+        <p:spPr bwMode="auto">
+          <a:xfrm>
+            <a:off x="7273473" y="2157996"/>
+            <a:ext cx="4247967" cy="4247968"/>
+          </a:xfrm>
+          <a:prstGeom prst="rect">
+            <a:avLst/>
+          </a:prstGeom>
+          <a:noFill/>
+          <a:extLst>
+            <a:ext uri="{909E8E84-426E-40DD-AFC4-6F175D3DCCD1}">
+              <a14:hiddenFill xmlns:a14="http://schemas.microsoft.com/office/drawing/2010/main">
+                <a:solidFill>
+                  <a:srgbClr val="FFFFFF"/>
+                </a:solidFill>
+              </a14:hiddenFill>
+            </a:ext>
+          </a:extLst>
+        </p:spPr>
+      </p:pic>
     </p:spTree>
     <p:extLst>
       <p:ext uri="{BB962C8B-B14F-4D97-AF65-F5344CB8AC3E}">

--- a/NODE.pptx
+++ b/NODE.pptx
@@ -12,6 +12,9 @@
     <p:sldId id="260" r:id="rId6"/>
     <p:sldId id="261" r:id="rId7"/>
     <p:sldId id="262" r:id="rId8"/>
+    <p:sldId id="263" r:id="rId9"/>
+    <p:sldId id="265" r:id="rId10"/>
+    <p:sldId id="266" r:id="rId11"/>
   </p:sldIdLst>
   <p:sldSz cx="12192000" cy="6858000"/>
   <p:notesSz cx="6858000" cy="9144000"/>
@@ -3200,6 +3203,236 @@
 </p:sld>
 </file>
 
+<file path=ppt/slides/slide10.xml><?xml version="1.0" encoding="utf-8"?>
+<p:sld xmlns:a="http://schemas.openxmlformats.org/drawingml/2006/main" xmlns:r="http://schemas.openxmlformats.org/officeDocument/2006/relationships" xmlns:p="http://schemas.openxmlformats.org/presentationml/2006/main">
+  <p:cSld>
+    <p:bg>
+      <p:bgPr>
+        <a:solidFill>
+          <a:srgbClr val="F0EFEF"/>
+        </a:solidFill>
+        <a:effectLst/>
+      </p:bgPr>
+    </p:bg>
+    <p:spTree>
+      <p:nvGrpSpPr>
+        <p:cNvPr id="1" name=""/>
+        <p:cNvGrpSpPr/>
+        <p:nvPr/>
+      </p:nvGrpSpPr>
+      <p:grpSpPr>
+        <a:xfrm>
+          <a:off x="0" y="0"/>
+          <a:ext cx="0" cy="0"/>
+          <a:chOff x="0" y="0"/>
+          <a:chExt cx="0" cy="0"/>
+        </a:xfrm>
+      </p:grpSpPr>
+      <p:sp>
+        <p:nvSpPr>
+          <p:cNvPr id="2" name="Retângulo Arredondado 1"/>
+          <p:cNvSpPr/>
+          <p:nvPr/>
+        </p:nvSpPr>
+        <p:spPr>
+          <a:xfrm>
+            <a:off x="2743200" y="261257"/>
+            <a:ext cx="6678386" cy="1012372"/>
+          </a:xfrm>
+          <a:prstGeom prst="roundRect">
+            <a:avLst/>
+          </a:prstGeom>
+          <a:solidFill>
+            <a:srgbClr val="3E4072"/>
+          </a:solidFill>
+          <a:ln>
+            <a:solidFill>
+              <a:srgbClr val="3E4072"/>
+            </a:solidFill>
+          </a:ln>
+        </p:spPr>
+        <p:style>
+          <a:lnRef idx="2">
+            <a:schemeClr val="accent1">
+              <a:shade val="50000"/>
+            </a:schemeClr>
+          </a:lnRef>
+          <a:fillRef idx="1">
+            <a:schemeClr val="accent1"/>
+          </a:fillRef>
+          <a:effectRef idx="0">
+            <a:schemeClr val="accent1"/>
+          </a:effectRef>
+          <a:fontRef idx="minor">
+            <a:schemeClr val="lt1"/>
+          </a:fontRef>
+        </p:style>
+        <p:txBody>
+          <a:bodyPr rtlCol="0" anchor="ctr"/>
+          <a:lstStyle/>
+          <a:p>
+            <a:pPr algn="ctr"/>
+            <a:endParaRPr lang="pt-BR"/>
+          </a:p>
+        </p:txBody>
+      </p:sp>
+      <p:sp>
+        <p:nvSpPr>
+          <p:cNvPr id="3" name="CaixaDeTexto 2"/>
+          <p:cNvSpPr txBox="1"/>
+          <p:nvPr/>
+        </p:nvSpPr>
+        <p:spPr>
+          <a:xfrm>
+            <a:off x="3487772" y="261257"/>
+            <a:ext cx="5189241" cy="1015663"/>
+          </a:xfrm>
+          <a:prstGeom prst="rect">
+            <a:avLst/>
+          </a:prstGeom>
+          <a:noFill/>
+        </p:spPr>
+        <p:txBody>
+          <a:bodyPr wrap="none" rtlCol="0">
+            <a:spAutoFit/>
+          </a:bodyPr>
+          <a:lstStyle/>
+          <a:p>
+            <a:r>
+              <a:rPr lang="pt-BR" sz="6000" b="1" dirty="0" smtClean="0">
+                <a:solidFill>
+                  <a:srgbClr val="F0EFEF"/>
+                </a:solidFill>
+                <a:latin typeface="BankGothic Lt BT" panose="020B0607020203060204" pitchFamily="34" charset="0"/>
+              </a:rPr>
+              <a:t>Referências</a:t>
+            </a:r>
+            <a:endParaRPr lang="pt-BR" sz="6000" b="1" dirty="0">
+              <a:solidFill>
+                <a:srgbClr val="F0EFEF"/>
+              </a:solidFill>
+              <a:latin typeface="BankGothic Lt BT" panose="020B0607020203060204" pitchFamily="34" charset="0"/>
+            </a:endParaRPr>
+          </a:p>
+        </p:txBody>
+      </p:sp>
+      <p:sp>
+        <p:nvSpPr>
+          <p:cNvPr id="4" name="CaixaDeTexto 3"/>
+          <p:cNvSpPr txBox="1"/>
+          <p:nvPr/>
+        </p:nvSpPr>
+        <p:spPr>
+          <a:xfrm>
+            <a:off x="2759529" y="2248466"/>
+            <a:ext cx="6662057" cy="1231106"/>
+          </a:xfrm>
+          <a:prstGeom prst="rect">
+            <a:avLst/>
+          </a:prstGeom>
+          <a:noFill/>
+        </p:spPr>
+        <p:txBody>
+          <a:bodyPr wrap="square" rtlCol="0">
+            <a:spAutoFit/>
+          </a:bodyPr>
+          <a:lstStyle/>
+          <a:p>
+            <a:pPr algn="ctr"/>
+            <a:r>
+              <a:rPr lang="pt-BR" sz="2800" u="sng" dirty="0">
+                <a:latin typeface="Arial Black" panose="020B0A04020102020204" pitchFamily="34" charset="0"/>
+                <a:hlinkClick r:id="rId2"/>
+              </a:rPr>
+              <a:t>O que é Node.JS? Como funciona e um Guia para iniciar | </a:t>
+            </a:r>
+            <a:r>
+              <a:rPr lang="pt-BR" sz="2800" u="sng" dirty="0" err="1">
+                <a:latin typeface="Arial Black" panose="020B0A04020102020204" pitchFamily="34" charset="0"/>
+                <a:hlinkClick r:id="rId2"/>
+              </a:rPr>
+              <a:t>Alura</a:t>
+            </a:r>
+            <a:endParaRPr lang="pt-BR" sz="2800" dirty="0">
+              <a:latin typeface="Arial Black" panose="020B0A04020102020204" pitchFamily="34" charset="0"/>
+            </a:endParaRPr>
+          </a:p>
+          <a:p>
+            <a:endParaRPr lang="pt-BR" dirty="0"/>
+          </a:p>
+        </p:txBody>
+      </p:sp>
+      <p:sp>
+        <p:nvSpPr>
+          <p:cNvPr id="5" name="CaixaDeTexto 4"/>
+          <p:cNvSpPr txBox="1"/>
+          <p:nvPr/>
+        </p:nvSpPr>
+        <p:spPr>
+          <a:xfrm>
+            <a:off x="2759529" y="4620986"/>
+            <a:ext cx="6662057" cy="954107"/>
+          </a:xfrm>
+          <a:prstGeom prst="rect">
+            <a:avLst/>
+          </a:prstGeom>
+          <a:noFill/>
+        </p:spPr>
+        <p:txBody>
+          <a:bodyPr wrap="square" rtlCol="0">
+            <a:spAutoFit/>
+          </a:bodyPr>
+          <a:lstStyle/>
+          <a:p>
+            <a:pPr algn="ctr"/>
+            <a:r>
+              <a:rPr lang="pt-BR" sz="2800" u="sng" dirty="0">
+                <a:solidFill>
+                  <a:srgbClr val="3E4072"/>
+                </a:solidFill>
+                <a:latin typeface="Arial Black" panose="020B0A04020102020204" pitchFamily="34" charset="0"/>
+                <a:hlinkClick r:id="rId3"/>
+              </a:rPr>
+              <a:t>Node.js e a revolução do desenvolvimento web</a:t>
+            </a:r>
+            <a:r>
+              <a:rPr lang="pt-BR" sz="2800" dirty="0">
+                <a:solidFill>
+                  <a:srgbClr val="3E4072"/>
+                </a:solidFill>
+                <a:latin typeface="Arial Black" panose="020B0A04020102020204" pitchFamily="34" charset="0"/>
+              </a:rPr>
+              <a:t> </a:t>
+            </a:r>
+            <a:endParaRPr lang="pt-BR" sz="2800" dirty="0">
+              <a:solidFill>
+                <a:srgbClr val="3E4072"/>
+              </a:solidFill>
+              <a:latin typeface="Arial Black" panose="020B0A04020102020204" pitchFamily="34" charset="0"/>
+            </a:endParaRPr>
+          </a:p>
+        </p:txBody>
+      </p:sp>
+    </p:spTree>
+    <p:extLst>
+      <p:ext uri="{BB962C8B-B14F-4D97-AF65-F5344CB8AC3E}">
+        <p14:creationId xmlns:p14="http://schemas.microsoft.com/office/powerpoint/2010/main" val="629173823"/>
+      </p:ext>
+    </p:extLst>
+  </p:cSld>
+  <p:clrMapOvr>
+    <a:masterClrMapping/>
+  </p:clrMapOvr>
+  <p:timing>
+    <p:tnLst>
+      <p:par>
+        <p:cTn id="1" dur="indefinite" restart="never" nodeType="tmRoot"/>
+      </p:par>
+    </p:tnLst>
+  </p:timing>
+</p:sld>
+</file>
+
 <file path=ppt/slides/slide2.xml><?xml version="1.0" encoding="utf-8"?>
 <p:sld xmlns:a="http://schemas.openxmlformats.org/drawingml/2006/main" xmlns:r="http://schemas.openxmlformats.org/officeDocument/2006/relationships" xmlns:p="http://schemas.openxmlformats.org/presentationml/2006/main">
   <p:cSld>
@@ -3798,7 +4031,7 @@
         </p:nvSpPr>
         <p:spPr>
           <a:xfrm>
-            <a:off x="6642847" y="2211621"/>
+            <a:off x="6642847" y="2642508"/>
             <a:ext cx="5039060" cy="954107"/>
           </a:xfrm>
           <a:prstGeom prst="rect">
@@ -3884,6 +4117,47 @@
           </a:p>
         </p:txBody>
       </p:sp>
+      <p:pic>
+        <p:nvPicPr>
+          <p:cNvPr id="2050" name="Picture 2" descr="Ryan Dahl's talks, articles, workshops, certificates - GitNation"/>
+          <p:cNvPicPr>
+            <a:picLocks noChangeAspect="1" noChangeArrowheads="1"/>
+          </p:cNvPicPr>
+          <p:nvPr/>
+        </p:nvPicPr>
+        <p:blipFill>
+          <a:blip r:embed="rId2">
+            <a:extLst>
+              <a:ext uri="{28A0092B-C50C-407E-A947-70E740481C1C}">
+                <a14:useLocalDpi xmlns:a14="http://schemas.microsoft.com/office/drawing/2010/main" val="0"/>
+              </a:ext>
+            </a:extLst>
+          </a:blip>
+          <a:srcRect/>
+          <a:stretch>
+            <a:fillRect/>
+          </a:stretch>
+        </p:blipFill>
+        <p:spPr bwMode="auto">
+          <a:xfrm>
+            <a:off x="696013" y="1244940"/>
+            <a:ext cx="4368119" cy="4368120"/>
+          </a:xfrm>
+          <a:prstGeom prst="rect">
+            <a:avLst/>
+          </a:prstGeom>
+          <a:noFill/>
+          <a:extLst>
+            <a:ext uri="{909E8E84-426E-40DD-AFC4-6F175D3DCCD1}">
+              <a14:hiddenFill xmlns:a14="http://schemas.microsoft.com/office/drawing/2010/main">
+                <a:solidFill>
+                  <a:srgbClr val="FFFFFF"/>
+                </a:solidFill>
+              </a14:hiddenFill>
+            </a:ext>
+          </a:extLst>
+        </p:spPr>
+      </p:pic>
     </p:spTree>
     <p:extLst>
       <p:ext uri="{BB962C8B-B14F-4D97-AF65-F5344CB8AC3E}">
@@ -5020,6 +5294,13 @@
   <p:clrMapOvr>
     <a:masterClrMapping/>
   </p:clrMapOvr>
+  <p:timing>
+    <p:tnLst>
+      <p:par>
+        <p:cTn id="1" dur="indefinite" restart="never" nodeType="tmRoot"/>
+      </p:par>
+    </p:tnLst>
+  </p:timing>
 </p:sld>
 </file>
 
@@ -5214,16 +5495,7 @@
                 </a:solidFill>
                 <a:latin typeface="Arial Black" panose="020B0A04020102020204" pitchFamily="34" charset="0"/>
               </a:rPr>
-              <a:t>- </a:t>
-            </a:r>
-            <a:r>
-              <a:rPr lang="pt-BR" sz="2800" dirty="0" smtClean="0">
-                <a:solidFill>
-                  <a:srgbClr val="3E4072"/>
-                </a:solidFill>
-                <a:latin typeface="Arial Black" panose="020B0A04020102020204" pitchFamily="34" charset="0"/>
-              </a:rPr>
-              <a:t>Web </a:t>
+              <a:t>- Web </a:t>
             </a:r>
             <a:r>
               <a:rPr lang="pt-BR" sz="2800" dirty="0" err="1" smtClean="0">
@@ -5321,16 +5593,7 @@
                 </a:solidFill>
                 <a:latin typeface="Arial Black" panose="020B0A04020102020204" pitchFamily="34" charset="0"/>
               </a:rPr>
-              <a:t>- </a:t>
-            </a:r>
-            <a:r>
-              <a:rPr lang="pt-BR" sz="2800" dirty="0" smtClean="0">
-                <a:solidFill>
-                  <a:srgbClr val="3E4072"/>
-                </a:solidFill>
-                <a:latin typeface="Arial Black" panose="020B0A04020102020204" pitchFamily="34" charset="0"/>
-              </a:rPr>
-              <a:t>Aplicações web</a:t>
+              <a:t>- Aplicações web</a:t>
             </a:r>
             <a:endParaRPr lang="pt-BR" sz="2800" dirty="0">
               <a:solidFill>
@@ -5392,6 +5655,697 @@
   <p:clrMapOvr>
     <a:masterClrMapping/>
   </p:clrMapOvr>
+  <p:timing>
+    <p:tnLst>
+      <p:par>
+        <p:cTn id="1" dur="indefinite" restart="never" nodeType="tmRoot"/>
+      </p:par>
+    </p:tnLst>
+  </p:timing>
+</p:sld>
+</file>
+
+<file path=ppt/slides/slide8.xml><?xml version="1.0" encoding="utf-8"?>
+<p:sld xmlns:a="http://schemas.openxmlformats.org/drawingml/2006/main" xmlns:r="http://schemas.openxmlformats.org/officeDocument/2006/relationships" xmlns:p="http://schemas.openxmlformats.org/presentationml/2006/main">
+  <p:cSld>
+    <p:bg>
+      <p:bgPr>
+        <a:solidFill>
+          <a:srgbClr val="F0EFEF"/>
+        </a:solidFill>
+        <a:effectLst/>
+      </p:bgPr>
+    </p:bg>
+    <p:spTree>
+      <p:nvGrpSpPr>
+        <p:cNvPr id="1" name=""/>
+        <p:cNvGrpSpPr/>
+        <p:nvPr/>
+      </p:nvGrpSpPr>
+      <p:grpSpPr>
+        <a:xfrm>
+          <a:off x="0" y="0"/>
+          <a:ext cx="0" cy="0"/>
+          <a:chOff x="0" y="0"/>
+          <a:chExt cx="0" cy="0"/>
+        </a:xfrm>
+      </p:grpSpPr>
+      <p:sp>
+        <p:nvSpPr>
+          <p:cNvPr id="8" name="Forma Livre 7"/>
+          <p:cNvSpPr/>
+          <p:nvPr/>
+        </p:nvSpPr>
+        <p:spPr>
+          <a:xfrm>
+            <a:off x="-624632" y="-991979"/>
+            <a:ext cx="8377029" cy="3480993"/>
+          </a:xfrm>
+          <a:custGeom>
+            <a:avLst/>
+            <a:gdLst>
+              <a:gd name="connsiteX0" fmla="*/ 455818 w 8377029"/>
+              <a:gd name="connsiteY0" fmla="*/ 2485638 h 3040551"/>
+              <a:gd name="connsiteX1" fmla="*/ 2172076 w 8377029"/>
+              <a:gd name="connsiteY1" fmla="*/ 3034278 h 3040551"/>
+              <a:gd name="connsiteX2" fmla="*/ 4662058 w 8377029"/>
+              <a:gd name="connsiteY2" fmla="*/ 2260555 h 3040551"/>
+              <a:gd name="connsiteX3" fmla="*/ 7180175 w 8377029"/>
+              <a:gd name="connsiteY3" fmla="*/ 2119878 h 3040551"/>
+              <a:gd name="connsiteX4" fmla="*/ 8375928 w 8377029"/>
+              <a:gd name="connsiteY4" fmla="*/ 727176 h 3040551"/>
+              <a:gd name="connsiteX5" fmla="*/ 6997295 w 8377029"/>
+              <a:gd name="connsiteY5" fmla="*/ 94130 h 3040551"/>
+              <a:gd name="connsiteX6" fmla="*/ 596495 w 8377029"/>
+              <a:gd name="connsiteY6" fmla="*/ 262943 h 3040551"/>
+              <a:gd name="connsiteX7" fmla="*/ 455818 w 8377029"/>
+              <a:gd name="connsiteY7" fmla="*/ 2485638 h 3040551"/>
+            </a:gdLst>
+            <a:ahLst/>
+            <a:cxnLst>
+              <a:cxn ang="0">
+                <a:pos x="connsiteX0" y="connsiteY0"/>
+              </a:cxn>
+              <a:cxn ang="0">
+                <a:pos x="connsiteX1" y="connsiteY1"/>
+              </a:cxn>
+              <a:cxn ang="0">
+                <a:pos x="connsiteX2" y="connsiteY2"/>
+              </a:cxn>
+              <a:cxn ang="0">
+                <a:pos x="connsiteX3" y="connsiteY3"/>
+              </a:cxn>
+              <a:cxn ang="0">
+                <a:pos x="connsiteX4" y="connsiteY4"/>
+              </a:cxn>
+              <a:cxn ang="0">
+                <a:pos x="connsiteX5" y="connsiteY5"/>
+              </a:cxn>
+              <a:cxn ang="0">
+                <a:pos x="connsiteX6" y="connsiteY6"/>
+              </a:cxn>
+              <a:cxn ang="0">
+                <a:pos x="connsiteX7" y="connsiteY7"/>
+              </a:cxn>
+            </a:cxnLst>
+            <a:rect l="l" t="t" r="r" b="b"/>
+            <a:pathLst>
+              <a:path w="8377029" h="3040551">
+                <a:moveTo>
+                  <a:pt x="455818" y="2485638"/>
+                </a:moveTo>
+                <a:cubicBezTo>
+                  <a:pt x="718415" y="2947527"/>
+                  <a:pt x="1471036" y="3071792"/>
+                  <a:pt x="2172076" y="3034278"/>
+                </a:cubicBezTo>
+                <a:cubicBezTo>
+                  <a:pt x="2873116" y="2996764"/>
+                  <a:pt x="3827375" y="2412955"/>
+                  <a:pt x="4662058" y="2260555"/>
+                </a:cubicBezTo>
+                <a:cubicBezTo>
+                  <a:pt x="5496741" y="2108155"/>
+                  <a:pt x="6561197" y="2375441"/>
+                  <a:pt x="7180175" y="2119878"/>
+                </a:cubicBezTo>
+                <a:cubicBezTo>
+                  <a:pt x="7799153" y="1864315"/>
+                  <a:pt x="8406408" y="1064801"/>
+                  <a:pt x="8375928" y="727176"/>
+                </a:cubicBezTo>
+                <a:cubicBezTo>
+                  <a:pt x="8345448" y="389551"/>
+                  <a:pt x="8293867" y="171502"/>
+                  <a:pt x="6997295" y="94130"/>
+                </a:cubicBezTo>
+                <a:cubicBezTo>
+                  <a:pt x="5700723" y="16758"/>
+                  <a:pt x="1686741" y="-135642"/>
+                  <a:pt x="596495" y="262943"/>
+                </a:cubicBezTo>
+                <a:cubicBezTo>
+                  <a:pt x="-493751" y="661528"/>
+                  <a:pt x="193221" y="2023749"/>
+                  <a:pt x="455818" y="2485638"/>
+                </a:cubicBezTo>
+                <a:close/>
+              </a:path>
+            </a:pathLst>
+          </a:custGeom>
+          <a:solidFill>
+            <a:srgbClr val="3E4072"/>
+          </a:solidFill>
+          <a:ln>
+            <a:solidFill>
+              <a:srgbClr val="3E4072"/>
+            </a:solidFill>
+          </a:ln>
+        </p:spPr>
+        <p:style>
+          <a:lnRef idx="2">
+            <a:schemeClr val="accent1">
+              <a:shade val="50000"/>
+            </a:schemeClr>
+          </a:lnRef>
+          <a:fillRef idx="1">
+            <a:schemeClr val="accent1"/>
+          </a:fillRef>
+          <a:effectRef idx="0">
+            <a:schemeClr val="accent1"/>
+          </a:effectRef>
+          <a:fontRef idx="minor">
+            <a:schemeClr val="lt1"/>
+          </a:fontRef>
+        </p:style>
+        <p:txBody>
+          <a:bodyPr rtlCol="0" anchor="ctr"/>
+          <a:lstStyle/>
+          <a:p>
+            <a:pPr algn="ctr"/>
+            <a:endParaRPr lang="pt-BR"/>
+          </a:p>
+        </p:txBody>
+      </p:sp>
+      <p:sp>
+        <p:nvSpPr>
+          <p:cNvPr id="4" name="CaixaDeTexto 3"/>
+          <p:cNvSpPr txBox="1"/>
+          <p:nvPr/>
+        </p:nvSpPr>
+        <p:spPr>
+          <a:xfrm>
+            <a:off x="897512" y="318264"/>
+            <a:ext cx="4147289" cy="1015663"/>
+          </a:xfrm>
+          <a:prstGeom prst="rect">
+            <a:avLst/>
+          </a:prstGeom>
+          <a:noFill/>
+        </p:spPr>
+        <p:txBody>
+          <a:bodyPr wrap="none" rtlCol="0">
+            <a:spAutoFit/>
+          </a:bodyPr>
+          <a:lstStyle/>
+          <a:p>
+            <a:r>
+              <a:rPr lang="pt-BR" sz="6000" b="1" dirty="0" smtClean="0">
+                <a:solidFill>
+                  <a:srgbClr val="F0EFEF"/>
+                </a:solidFill>
+                <a:latin typeface="BankGothic Lt BT" panose="020B0607020203060204" pitchFamily="34" charset="0"/>
+              </a:rPr>
+              <a:t>Empresas</a:t>
+            </a:r>
+            <a:endParaRPr lang="pt-BR" sz="6000" b="1" dirty="0">
+              <a:solidFill>
+                <a:srgbClr val="F0EFEF"/>
+              </a:solidFill>
+              <a:latin typeface="BankGothic Lt BT" panose="020B0607020203060204" pitchFamily="34" charset="0"/>
+            </a:endParaRPr>
+          </a:p>
+        </p:txBody>
+      </p:sp>
+      <p:pic>
+        <p:nvPicPr>
+          <p:cNvPr id="1028" name="Picture 4" descr="Slack Logo: valor, história, PNG"/>
+          <p:cNvPicPr>
+            <a:picLocks noChangeAspect="1" noChangeArrowheads="1"/>
+          </p:cNvPicPr>
+          <p:nvPr/>
+        </p:nvPicPr>
+        <p:blipFill>
+          <a:blip r:embed="rId2" cstate="print">
+            <a:extLst>
+              <a:ext uri="{28A0092B-C50C-407E-A947-70E740481C1C}">
+                <a14:useLocalDpi xmlns:a14="http://schemas.microsoft.com/office/drawing/2010/main" val="0"/>
+              </a:ext>
+            </a:extLst>
+          </a:blip>
+          <a:srcRect/>
+          <a:stretch>
+            <a:fillRect/>
+          </a:stretch>
+        </p:blipFill>
+        <p:spPr bwMode="auto">
+          <a:xfrm>
+            <a:off x="963469" y="2197601"/>
+            <a:ext cx="4291734" cy="2414100"/>
+          </a:xfrm>
+          <a:prstGeom prst="rect">
+            <a:avLst/>
+          </a:prstGeom>
+          <a:noFill/>
+          <a:extLst>
+            <a:ext uri="{909E8E84-426E-40DD-AFC4-6F175D3DCCD1}">
+              <a14:hiddenFill xmlns:a14="http://schemas.microsoft.com/office/drawing/2010/main">
+                <a:solidFill>
+                  <a:srgbClr val="FFFFFF"/>
+                </a:solidFill>
+              </a14:hiddenFill>
+            </a:ext>
+          </a:extLst>
+        </p:spPr>
+      </p:pic>
+      <p:pic>
+        <p:nvPicPr>
+          <p:cNvPr id="1030" name="Picture 6" descr="Uber Logo – PNG e Vetor – Download de Logo"/>
+          <p:cNvPicPr>
+            <a:picLocks noChangeAspect="1" noChangeArrowheads="1"/>
+          </p:cNvPicPr>
+          <p:nvPr/>
+        </p:nvPicPr>
+        <p:blipFill>
+          <a:blip r:embed="rId3" cstate="print">
+            <a:extLst>
+              <a:ext uri="{28A0092B-C50C-407E-A947-70E740481C1C}">
+                <a14:useLocalDpi xmlns:a14="http://schemas.microsoft.com/office/drawing/2010/main" val="0"/>
+              </a:ext>
+            </a:extLst>
+          </a:blip>
+          <a:srcRect/>
+          <a:stretch>
+            <a:fillRect/>
+          </a:stretch>
+        </p:blipFill>
+        <p:spPr bwMode="auto">
+          <a:xfrm>
+            <a:off x="1938178" y="4929602"/>
+            <a:ext cx="3251411" cy="1091545"/>
+          </a:xfrm>
+          <a:prstGeom prst="rect">
+            <a:avLst/>
+          </a:prstGeom>
+          <a:noFill/>
+          <a:extLst>
+            <a:ext uri="{909E8E84-426E-40DD-AFC4-6F175D3DCCD1}">
+              <a14:hiddenFill xmlns:a14="http://schemas.microsoft.com/office/drawing/2010/main">
+                <a:solidFill>
+                  <a:srgbClr val="FFFFFF"/>
+                </a:solidFill>
+              </a14:hiddenFill>
+            </a:ext>
+          </a:extLst>
+        </p:spPr>
+      </p:pic>
+      <p:pic>
+        <p:nvPicPr>
+          <p:cNvPr id="1032" name="Picture 8" descr="File:Logonetflix.png - Wikimedia Commons"/>
+          <p:cNvPicPr>
+            <a:picLocks noChangeAspect="1" noChangeArrowheads="1"/>
+          </p:cNvPicPr>
+          <p:nvPr/>
+        </p:nvPicPr>
+        <p:blipFill>
+          <a:blip r:embed="rId4" cstate="print">
+            <a:extLst>
+              <a:ext uri="{28A0092B-C50C-407E-A947-70E740481C1C}">
+                <a14:useLocalDpi xmlns:a14="http://schemas.microsoft.com/office/drawing/2010/main" val="0"/>
+              </a:ext>
+            </a:extLst>
+          </a:blip>
+          <a:srcRect/>
+          <a:stretch>
+            <a:fillRect/>
+          </a:stretch>
+        </p:blipFill>
+        <p:spPr bwMode="auto">
+          <a:xfrm>
+            <a:off x="6933535" y="2806915"/>
+            <a:ext cx="3924958" cy="1195473"/>
+          </a:xfrm>
+          <a:prstGeom prst="rect">
+            <a:avLst/>
+          </a:prstGeom>
+          <a:noFill/>
+          <a:extLst>
+            <a:ext uri="{909E8E84-426E-40DD-AFC4-6F175D3DCCD1}">
+              <a14:hiddenFill xmlns:a14="http://schemas.microsoft.com/office/drawing/2010/main">
+                <a:solidFill>
+                  <a:srgbClr val="FFFFFF"/>
+                </a:solidFill>
+              </a14:hiddenFill>
+            </a:ext>
+          </a:extLst>
+        </p:spPr>
+      </p:pic>
+      <p:pic>
+        <p:nvPicPr>
+          <p:cNvPr id="1034" name="Picture 10" descr="Symbols of NASA | NASA"/>
+          <p:cNvPicPr>
+            <a:picLocks noChangeAspect="1" noChangeArrowheads="1"/>
+          </p:cNvPicPr>
+          <p:nvPr/>
+        </p:nvPicPr>
+        <p:blipFill>
+          <a:blip r:embed="rId5" cstate="print">
+            <a:extLst>
+              <a:ext uri="{28A0092B-C50C-407E-A947-70E740481C1C}">
+                <a14:useLocalDpi xmlns:a14="http://schemas.microsoft.com/office/drawing/2010/main" val="0"/>
+              </a:ext>
+            </a:extLst>
+          </a:blip>
+          <a:srcRect/>
+          <a:stretch>
+            <a:fillRect/>
+          </a:stretch>
+        </p:blipFill>
+        <p:spPr bwMode="auto">
+          <a:xfrm>
+            <a:off x="6444082" y="4116688"/>
+            <a:ext cx="4903863" cy="2451932"/>
+          </a:xfrm>
+          <a:prstGeom prst="rect">
+            <a:avLst/>
+          </a:prstGeom>
+          <a:noFill/>
+          <a:extLst>
+            <a:ext uri="{909E8E84-426E-40DD-AFC4-6F175D3DCCD1}">
+              <a14:hiddenFill xmlns:a14="http://schemas.microsoft.com/office/drawing/2010/main">
+                <a:solidFill>
+                  <a:srgbClr val="FFFFFF"/>
+                </a:solidFill>
+              </a14:hiddenFill>
+            </a:ext>
+          </a:extLst>
+        </p:spPr>
+      </p:pic>
+    </p:spTree>
+    <p:extLst>
+      <p:ext uri="{BB962C8B-B14F-4D97-AF65-F5344CB8AC3E}">
+        <p14:creationId xmlns:p14="http://schemas.microsoft.com/office/powerpoint/2010/main" val="2531911656"/>
+      </p:ext>
+    </p:extLst>
+  </p:cSld>
+  <p:clrMapOvr>
+    <a:masterClrMapping/>
+  </p:clrMapOvr>
+  <p:timing>
+    <p:tnLst>
+      <p:par>
+        <p:cTn id="1" dur="indefinite" restart="never" nodeType="tmRoot"/>
+      </p:par>
+    </p:tnLst>
+  </p:timing>
+</p:sld>
+</file>
+
+<file path=ppt/slides/slide9.xml><?xml version="1.0" encoding="utf-8"?>
+<p:sld xmlns:a="http://schemas.openxmlformats.org/drawingml/2006/main" xmlns:r="http://schemas.openxmlformats.org/officeDocument/2006/relationships" xmlns:p="http://schemas.openxmlformats.org/presentationml/2006/main">
+  <p:cSld>
+    <p:bg>
+      <p:bgPr>
+        <a:solidFill>
+          <a:srgbClr val="F0EFEF"/>
+        </a:solidFill>
+        <a:effectLst/>
+      </p:bgPr>
+    </p:bg>
+    <p:spTree>
+      <p:nvGrpSpPr>
+        <p:cNvPr id="1" name=""/>
+        <p:cNvGrpSpPr/>
+        <p:nvPr/>
+      </p:nvGrpSpPr>
+      <p:grpSpPr>
+        <a:xfrm>
+          <a:off x="0" y="0"/>
+          <a:ext cx="0" cy="0"/>
+          <a:chOff x="0" y="0"/>
+          <a:chExt cx="0" cy="0"/>
+        </a:xfrm>
+      </p:grpSpPr>
+      <p:sp>
+        <p:nvSpPr>
+          <p:cNvPr id="2" name="Retângulo 1"/>
+          <p:cNvSpPr/>
+          <p:nvPr/>
+        </p:nvSpPr>
+        <p:spPr>
+          <a:xfrm>
+            <a:off x="0" y="0"/>
+            <a:ext cx="12192000" cy="1878037"/>
+          </a:xfrm>
+          <a:prstGeom prst="rect">
+            <a:avLst/>
+          </a:prstGeom>
+          <a:solidFill>
+            <a:srgbClr val="3E4072"/>
+          </a:solidFill>
+          <a:ln>
+            <a:solidFill>
+              <a:srgbClr val="3E4072"/>
+            </a:solidFill>
+          </a:ln>
+        </p:spPr>
+        <p:style>
+          <a:lnRef idx="2">
+            <a:schemeClr val="accent1">
+              <a:shade val="50000"/>
+            </a:schemeClr>
+          </a:lnRef>
+          <a:fillRef idx="1">
+            <a:schemeClr val="accent1"/>
+          </a:fillRef>
+          <a:effectRef idx="0">
+            <a:schemeClr val="accent1"/>
+          </a:effectRef>
+          <a:fontRef idx="minor">
+            <a:schemeClr val="lt1"/>
+          </a:fontRef>
+        </p:style>
+        <p:txBody>
+          <a:bodyPr rtlCol="0" anchor="ctr"/>
+          <a:lstStyle/>
+          <a:p>
+            <a:pPr algn="ctr"/>
+            <a:endParaRPr lang="pt-BR"/>
+          </a:p>
+        </p:txBody>
+      </p:sp>
+      <p:sp>
+        <p:nvSpPr>
+          <p:cNvPr id="3" name="CaixaDeTexto 2"/>
+          <p:cNvSpPr txBox="1"/>
+          <p:nvPr/>
+        </p:nvSpPr>
+        <p:spPr>
+          <a:xfrm>
+            <a:off x="897512" y="431186"/>
+            <a:ext cx="4724370" cy="1015663"/>
+          </a:xfrm>
+          <a:prstGeom prst="rect">
+            <a:avLst/>
+          </a:prstGeom>
+          <a:noFill/>
+        </p:spPr>
+        <p:txBody>
+          <a:bodyPr wrap="none" rtlCol="0">
+            <a:spAutoFit/>
+          </a:bodyPr>
+          <a:lstStyle/>
+          <a:p>
+            <a:r>
+              <a:rPr lang="pt-BR" sz="6000" b="1" dirty="0" smtClean="0">
+                <a:solidFill>
+                  <a:srgbClr val="F0EFEF"/>
+                </a:solidFill>
+                <a:latin typeface="BankGothic Lt BT" panose="020B0607020203060204" pitchFamily="34" charset="0"/>
+              </a:rPr>
+              <a:t>Conclusão</a:t>
+            </a:r>
+            <a:endParaRPr lang="pt-BR" sz="6000" b="1" dirty="0">
+              <a:solidFill>
+                <a:srgbClr val="F0EFEF"/>
+              </a:solidFill>
+              <a:latin typeface="BankGothic Lt BT" panose="020B0607020203060204" pitchFamily="34" charset="0"/>
+            </a:endParaRPr>
+          </a:p>
+        </p:txBody>
+      </p:sp>
+      <p:sp>
+        <p:nvSpPr>
+          <p:cNvPr id="4" name="CaixaDeTexto 3"/>
+          <p:cNvSpPr txBox="1"/>
+          <p:nvPr/>
+        </p:nvSpPr>
+        <p:spPr>
+          <a:xfrm>
+            <a:off x="2667544" y="2302839"/>
+            <a:ext cx="6359532" cy="954107"/>
+          </a:xfrm>
+          <a:prstGeom prst="rect">
+            <a:avLst/>
+          </a:prstGeom>
+          <a:noFill/>
+        </p:spPr>
+        <p:txBody>
+          <a:bodyPr wrap="square" rtlCol="0">
+            <a:spAutoFit/>
+          </a:bodyPr>
+          <a:lstStyle/>
+          <a:p>
+            <a:r>
+              <a:rPr lang="pt-BR" sz="2800" dirty="0" smtClean="0">
+                <a:solidFill>
+                  <a:srgbClr val="3E4072"/>
+                </a:solidFill>
+                <a:latin typeface="Arial Black" panose="020B0A04020102020204" pitchFamily="34" charset="0"/>
+              </a:rPr>
+              <a:t>- </a:t>
+            </a:r>
+            <a:r>
+              <a:rPr lang="pt-BR" sz="2800" dirty="0">
+                <a:solidFill>
+                  <a:srgbClr val="3E4072"/>
+                </a:solidFill>
+                <a:latin typeface="Arial Black" panose="020B0A04020102020204" pitchFamily="34" charset="0"/>
+              </a:rPr>
+              <a:t>O Node.js é uma tecnologia flexível e versátil</a:t>
+            </a:r>
+            <a:r>
+              <a:rPr lang="pt-BR" sz="2800" dirty="0" smtClean="0">
+                <a:solidFill>
+                  <a:srgbClr val="3E4072"/>
+                </a:solidFill>
+                <a:latin typeface="Arial Black" panose="020B0A04020102020204" pitchFamily="34" charset="0"/>
+              </a:rPr>
+              <a:t>.</a:t>
+            </a:r>
+            <a:endParaRPr lang="pt-BR" sz="2800" dirty="0">
+              <a:solidFill>
+                <a:srgbClr val="3E4072"/>
+              </a:solidFill>
+              <a:latin typeface="Arial Black" panose="020B0A04020102020204" pitchFamily="34" charset="0"/>
+            </a:endParaRPr>
+          </a:p>
+        </p:txBody>
+      </p:sp>
+      <p:sp>
+        <p:nvSpPr>
+          <p:cNvPr id="5" name="CaixaDeTexto 4"/>
+          <p:cNvSpPr txBox="1"/>
+          <p:nvPr/>
+        </p:nvSpPr>
+        <p:spPr>
+          <a:xfrm>
+            <a:off x="2667544" y="3681748"/>
+            <a:ext cx="6359532" cy="954107"/>
+          </a:xfrm>
+          <a:prstGeom prst="rect">
+            <a:avLst/>
+          </a:prstGeom>
+          <a:noFill/>
+        </p:spPr>
+        <p:txBody>
+          <a:bodyPr wrap="square" rtlCol="0">
+            <a:spAutoFit/>
+          </a:bodyPr>
+          <a:lstStyle/>
+          <a:p>
+            <a:r>
+              <a:rPr lang="pt-BR" sz="2800" dirty="0" smtClean="0">
+                <a:solidFill>
+                  <a:srgbClr val="3E4072"/>
+                </a:solidFill>
+                <a:latin typeface="Arial Black" panose="020B0A04020102020204" pitchFamily="34" charset="0"/>
+              </a:rPr>
+              <a:t>- </a:t>
+            </a:r>
+            <a:r>
+              <a:rPr lang="pt-BR" sz="2800" dirty="0">
+                <a:solidFill>
+                  <a:srgbClr val="3E4072"/>
+                </a:solidFill>
+                <a:latin typeface="Arial Black" panose="020B0A04020102020204" pitchFamily="34" charset="0"/>
+              </a:rPr>
+              <a:t>Uso crescente em empresas de grande porte</a:t>
+            </a:r>
+            <a:r>
+              <a:rPr lang="pt-BR" sz="2800" dirty="0" smtClean="0">
+                <a:solidFill>
+                  <a:srgbClr val="3E4072"/>
+                </a:solidFill>
+                <a:latin typeface="Arial Black" panose="020B0A04020102020204" pitchFamily="34" charset="0"/>
+              </a:rPr>
+              <a:t>.</a:t>
+            </a:r>
+            <a:endParaRPr lang="pt-BR" sz="2800" dirty="0">
+              <a:solidFill>
+                <a:srgbClr val="3E4072"/>
+              </a:solidFill>
+              <a:latin typeface="Arial Black" panose="020B0A04020102020204" pitchFamily="34" charset="0"/>
+            </a:endParaRPr>
+          </a:p>
+        </p:txBody>
+      </p:sp>
+      <p:sp>
+        <p:nvSpPr>
+          <p:cNvPr id="6" name="CaixaDeTexto 5"/>
+          <p:cNvSpPr txBox="1"/>
+          <p:nvPr/>
+        </p:nvSpPr>
+        <p:spPr>
+          <a:xfrm>
+            <a:off x="2667544" y="5060657"/>
+            <a:ext cx="6856912" cy="1384995"/>
+          </a:xfrm>
+          <a:prstGeom prst="rect">
+            <a:avLst/>
+          </a:prstGeom>
+          <a:noFill/>
+        </p:spPr>
+        <p:txBody>
+          <a:bodyPr wrap="square" rtlCol="0">
+            <a:spAutoFit/>
+          </a:bodyPr>
+          <a:lstStyle/>
+          <a:p>
+            <a:r>
+              <a:rPr lang="pt-BR" sz="2800" dirty="0" smtClean="0">
+                <a:solidFill>
+                  <a:srgbClr val="3E4072"/>
+                </a:solidFill>
+                <a:latin typeface="Arial Black" panose="020B0A04020102020204" pitchFamily="34" charset="0"/>
+              </a:rPr>
+              <a:t>- </a:t>
+            </a:r>
+            <a:r>
+              <a:rPr lang="pt-BR" sz="2800" dirty="0">
+                <a:solidFill>
+                  <a:srgbClr val="3E4072"/>
+                </a:solidFill>
+                <a:latin typeface="Arial Black" panose="020B0A04020102020204" pitchFamily="34" charset="0"/>
+              </a:rPr>
+              <a:t>Oferece oportunidades de carreira em desenvolvimento de software.</a:t>
+            </a:r>
+            <a:endParaRPr lang="pt-BR" sz="2800" dirty="0">
+              <a:solidFill>
+                <a:srgbClr val="3E4072"/>
+              </a:solidFill>
+              <a:latin typeface="Arial Black" panose="020B0A04020102020204" pitchFamily="34" charset="0"/>
+            </a:endParaRPr>
+          </a:p>
+        </p:txBody>
+      </p:sp>
+    </p:spTree>
+    <p:extLst>
+      <p:ext uri="{BB962C8B-B14F-4D97-AF65-F5344CB8AC3E}">
+        <p14:creationId xmlns:p14="http://schemas.microsoft.com/office/powerpoint/2010/main" val="781765797"/>
+      </p:ext>
+    </p:extLst>
+  </p:cSld>
+  <p:clrMapOvr>
+    <a:masterClrMapping/>
+  </p:clrMapOvr>
+  <p:timing>
+    <p:tnLst>
+      <p:par>
+        <p:cTn id="1" dur="indefinite" restart="never" nodeType="tmRoot"/>
+      </p:par>
+    </p:tnLst>
+  </p:timing>
 </p:sld>
 </file>
 
